--- a/2023/meeting/0429meeting/0429meeting.pptx
+++ b/2023/meeting/0429meeting/0429meeting.pptx
@@ -5,16 +5,20 @@
     <p:sldMasterId id="2147483648" r:id="rId1"/>
   </p:sldMasterIdLst>
   <p:notesMasterIdLst>
-    <p:notesMasterId r:id="rId9"/>
+    <p:notesMasterId r:id="rId13"/>
   </p:notesMasterIdLst>
   <p:sldIdLst>
     <p:sldId id="256" r:id="rId2"/>
     <p:sldId id="257" r:id="rId3"/>
     <p:sldId id="278" r:id="rId4"/>
-    <p:sldId id="260" r:id="rId5"/>
-    <p:sldId id="261" r:id="rId6"/>
-    <p:sldId id="262" r:id="rId7"/>
-    <p:sldId id="282" r:id="rId8"/>
+    <p:sldId id="284" r:id="rId5"/>
+    <p:sldId id="283" r:id="rId6"/>
+    <p:sldId id="285" r:id="rId7"/>
+    <p:sldId id="286" r:id="rId8"/>
+    <p:sldId id="287" r:id="rId9"/>
+    <p:sldId id="288" r:id="rId10"/>
+    <p:sldId id="289" r:id="rId11"/>
+    <p:sldId id="282" r:id="rId12"/>
   </p:sldIdLst>
   <p:sldSz cx="24384000" cy="13716000"/>
   <p:notesSz cx="6858000" cy="9144000"/>
@@ -774,6 +778,538 @@
 </p:notes>
 </file>
 
+<file path=ppt/notesSlides/notesSlide2.xml><?xml version="1.0" encoding="utf-8"?>
+<p:notes xmlns:a="http://schemas.openxmlformats.org/drawingml/2006/main" xmlns:r="http://schemas.openxmlformats.org/officeDocument/2006/relationships" xmlns:p="http://schemas.openxmlformats.org/presentationml/2006/main">
+  <p:cSld>
+    <p:spTree>
+      <p:nvGrpSpPr>
+        <p:cNvPr id="1" name=""/>
+        <p:cNvGrpSpPr/>
+        <p:nvPr/>
+      </p:nvGrpSpPr>
+      <p:grpSpPr>
+        <a:xfrm>
+          <a:off x="0" y="0"/>
+          <a:ext cx="0" cy="0"/>
+          <a:chOff x="0" y="0"/>
+          <a:chExt cx="0" cy="0"/>
+        </a:xfrm>
+      </p:grpSpPr>
+      <p:sp>
+        <p:nvSpPr>
+          <p:cNvPr id="2" name="スライド イメージ プレースホルダー 1"/>
+          <p:cNvSpPr>
+            <a:spLocks noGrp="1" noRot="1" noChangeAspect="1"/>
+          </p:cNvSpPr>
+          <p:nvPr>
+            <p:ph type="sldImg"/>
+          </p:nvPr>
+        </p:nvSpPr>
+        <p:spPr>
+          <a:xfrm>
+            <a:off x="381000" y="685800"/>
+            <a:ext cx="6096000" cy="3429000"/>
+          </a:xfrm>
+        </p:spPr>
+      </p:sp>
+      <p:sp>
+        <p:nvSpPr>
+          <p:cNvPr id="3" name="ノート プレースホルダー 2"/>
+          <p:cNvSpPr>
+            <a:spLocks noGrp="1"/>
+          </p:cNvSpPr>
+          <p:nvPr>
+            <p:ph type="body" idx="1"/>
+          </p:nvPr>
+        </p:nvSpPr>
+        <p:spPr/>
+        <p:txBody>
+          <a:bodyPr/>
+          <a:lstStyle/>
+          <a:p>
+            <a:r>
+              <a:rPr kumimoji="1" lang="ja-JP" altLang="en-US" dirty="0"/>
+              <a:t>まず，私の研究テーマについて説明します．</a:t>
+            </a:r>
+            <a:br>
+              <a:rPr kumimoji="1" lang="en-US" altLang="ja-JP" dirty="0"/>
+            </a:br>
+            <a:r>
+              <a:rPr kumimoji="1" lang="ja-JP" altLang="en-US" dirty="0"/>
+              <a:t>私の研究テーマは自由記述文からの学習行動分析</a:t>
+            </a:r>
+          </a:p>
+        </p:txBody>
+      </p:sp>
+    </p:spTree>
+    <p:extLst>
+      <p:ext uri="{BB962C8B-B14F-4D97-AF65-F5344CB8AC3E}">
+        <p14:creationId xmlns:p14="http://schemas.microsoft.com/office/powerpoint/2010/main" val="4267887575"/>
+      </p:ext>
+    </p:extLst>
+  </p:cSld>
+  <p:clrMapOvr>
+    <a:masterClrMapping/>
+  </p:clrMapOvr>
+</p:notes>
+</file>
+
+<file path=ppt/notesSlides/notesSlide3.xml><?xml version="1.0" encoding="utf-8"?>
+<p:notes xmlns:a="http://schemas.openxmlformats.org/drawingml/2006/main" xmlns:r="http://schemas.openxmlformats.org/officeDocument/2006/relationships" xmlns:p="http://schemas.openxmlformats.org/presentationml/2006/main">
+  <p:cSld>
+    <p:spTree>
+      <p:nvGrpSpPr>
+        <p:cNvPr id="1" name=""/>
+        <p:cNvGrpSpPr/>
+        <p:nvPr/>
+      </p:nvGrpSpPr>
+      <p:grpSpPr>
+        <a:xfrm>
+          <a:off x="0" y="0"/>
+          <a:ext cx="0" cy="0"/>
+          <a:chOff x="0" y="0"/>
+          <a:chExt cx="0" cy="0"/>
+        </a:xfrm>
+      </p:grpSpPr>
+      <p:sp>
+        <p:nvSpPr>
+          <p:cNvPr id="2" name="スライド イメージ プレースホルダー 1"/>
+          <p:cNvSpPr>
+            <a:spLocks noGrp="1" noRot="1" noChangeAspect="1"/>
+          </p:cNvSpPr>
+          <p:nvPr>
+            <p:ph type="sldImg"/>
+          </p:nvPr>
+        </p:nvSpPr>
+        <p:spPr>
+          <a:xfrm>
+            <a:off x="381000" y="685800"/>
+            <a:ext cx="6096000" cy="3429000"/>
+          </a:xfrm>
+        </p:spPr>
+      </p:sp>
+      <p:sp>
+        <p:nvSpPr>
+          <p:cNvPr id="3" name="ノート プレースホルダー 2"/>
+          <p:cNvSpPr>
+            <a:spLocks noGrp="1"/>
+          </p:cNvSpPr>
+          <p:nvPr>
+            <p:ph type="body" idx="1"/>
+          </p:nvPr>
+        </p:nvSpPr>
+        <p:spPr/>
+        <p:txBody>
+          <a:bodyPr/>
+          <a:lstStyle/>
+          <a:p>
+            <a:r>
+              <a:rPr kumimoji="1" lang="ja-JP" altLang="en-US" dirty="0"/>
+              <a:t>まず，私の研究テーマについて説明します．</a:t>
+            </a:r>
+            <a:br>
+              <a:rPr kumimoji="1" lang="en-US" altLang="ja-JP" dirty="0"/>
+            </a:br>
+            <a:r>
+              <a:rPr kumimoji="1" lang="ja-JP" altLang="en-US" dirty="0"/>
+              <a:t>私の研究テーマは自由記述文からの学習行動分析</a:t>
+            </a:r>
+          </a:p>
+        </p:txBody>
+      </p:sp>
+    </p:spTree>
+    <p:extLst>
+      <p:ext uri="{BB962C8B-B14F-4D97-AF65-F5344CB8AC3E}">
+        <p14:creationId xmlns:p14="http://schemas.microsoft.com/office/powerpoint/2010/main" val="4186146815"/>
+      </p:ext>
+    </p:extLst>
+  </p:cSld>
+  <p:clrMapOvr>
+    <a:masterClrMapping/>
+  </p:clrMapOvr>
+</p:notes>
+</file>
+
+<file path=ppt/notesSlides/notesSlide4.xml><?xml version="1.0" encoding="utf-8"?>
+<p:notes xmlns:a="http://schemas.openxmlformats.org/drawingml/2006/main" xmlns:r="http://schemas.openxmlformats.org/officeDocument/2006/relationships" xmlns:p="http://schemas.openxmlformats.org/presentationml/2006/main">
+  <p:cSld>
+    <p:spTree>
+      <p:nvGrpSpPr>
+        <p:cNvPr id="1" name=""/>
+        <p:cNvGrpSpPr/>
+        <p:nvPr/>
+      </p:nvGrpSpPr>
+      <p:grpSpPr>
+        <a:xfrm>
+          <a:off x="0" y="0"/>
+          <a:ext cx="0" cy="0"/>
+          <a:chOff x="0" y="0"/>
+          <a:chExt cx="0" cy="0"/>
+        </a:xfrm>
+      </p:grpSpPr>
+      <p:sp>
+        <p:nvSpPr>
+          <p:cNvPr id="2" name="スライド イメージ プレースホルダー 1"/>
+          <p:cNvSpPr>
+            <a:spLocks noGrp="1" noRot="1" noChangeAspect="1"/>
+          </p:cNvSpPr>
+          <p:nvPr>
+            <p:ph type="sldImg"/>
+          </p:nvPr>
+        </p:nvSpPr>
+        <p:spPr>
+          <a:xfrm>
+            <a:off x="381000" y="685800"/>
+            <a:ext cx="6096000" cy="3429000"/>
+          </a:xfrm>
+        </p:spPr>
+      </p:sp>
+      <p:sp>
+        <p:nvSpPr>
+          <p:cNvPr id="3" name="ノート プレースホルダー 2"/>
+          <p:cNvSpPr>
+            <a:spLocks noGrp="1"/>
+          </p:cNvSpPr>
+          <p:nvPr>
+            <p:ph type="body" idx="1"/>
+          </p:nvPr>
+        </p:nvSpPr>
+        <p:spPr/>
+        <p:txBody>
+          <a:bodyPr/>
+          <a:lstStyle/>
+          <a:p>
+            <a:r>
+              <a:rPr kumimoji="1" lang="ja-JP" altLang="en-US" dirty="0"/>
+              <a:t>まず，私の研究テーマについて説明します．</a:t>
+            </a:r>
+            <a:br>
+              <a:rPr kumimoji="1" lang="en-US" altLang="ja-JP" dirty="0"/>
+            </a:br>
+            <a:r>
+              <a:rPr kumimoji="1" lang="ja-JP" altLang="en-US" dirty="0"/>
+              <a:t>私の研究テーマは自由記述文からの学習行動分析</a:t>
+            </a:r>
+          </a:p>
+        </p:txBody>
+      </p:sp>
+    </p:spTree>
+    <p:extLst>
+      <p:ext uri="{BB962C8B-B14F-4D97-AF65-F5344CB8AC3E}">
+        <p14:creationId xmlns:p14="http://schemas.microsoft.com/office/powerpoint/2010/main" val="1157017379"/>
+      </p:ext>
+    </p:extLst>
+  </p:cSld>
+  <p:clrMapOvr>
+    <a:masterClrMapping/>
+  </p:clrMapOvr>
+</p:notes>
+</file>
+
+<file path=ppt/notesSlides/notesSlide5.xml><?xml version="1.0" encoding="utf-8"?>
+<p:notes xmlns:a="http://schemas.openxmlformats.org/drawingml/2006/main" xmlns:r="http://schemas.openxmlformats.org/officeDocument/2006/relationships" xmlns:p="http://schemas.openxmlformats.org/presentationml/2006/main">
+  <p:cSld>
+    <p:spTree>
+      <p:nvGrpSpPr>
+        <p:cNvPr id="1" name=""/>
+        <p:cNvGrpSpPr/>
+        <p:nvPr/>
+      </p:nvGrpSpPr>
+      <p:grpSpPr>
+        <a:xfrm>
+          <a:off x="0" y="0"/>
+          <a:ext cx="0" cy="0"/>
+          <a:chOff x="0" y="0"/>
+          <a:chExt cx="0" cy="0"/>
+        </a:xfrm>
+      </p:grpSpPr>
+      <p:sp>
+        <p:nvSpPr>
+          <p:cNvPr id="2" name="スライド イメージ プレースホルダー 1"/>
+          <p:cNvSpPr>
+            <a:spLocks noGrp="1" noRot="1" noChangeAspect="1"/>
+          </p:cNvSpPr>
+          <p:nvPr>
+            <p:ph type="sldImg"/>
+          </p:nvPr>
+        </p:nvSpPr>
+        <p:spPr>
+          <a:xfrm>
+            <a:off x="381000" y="685800"/>
+            <a:ext cx="6096000" cy="3429000"/>
+          </a:xfrm>
+        </p:spPr>
+      </p:sp>
+      <p:sp>
+        <p:nvSpPr>
+          <p:cNvPr id="3" name="ノート プレースホルダー 2"/>
+          <p:cNvSpPr>
+            <a:spLocks noGrp="1"/>
+          </p:cNvSpPr>
+          <p:nvPr>
+            <p:ph type="body" idx="1"/>
+          </p:nvPr>
+        </p:nvSpPr>
+        <p:spPr/>
+        <p:txBody>
+          <a:bodyPr/>
+          <a:lstStyle/>
+          <a:p>
+            <a:r>
+              <a:rPr kumimoji="1" lang="ja-JP" altLang="en-US" dirty="0"/>
+              <a:t>まず，私の研究テーマについて説明します．</a:t>
+            </a:r>
+            <a:br>
+              <a:rPr kumimoji="1" lang="en-US" altLang="ja-JP" dirty="0"/>
+            </a:br>
+            <a:r>
+              <a:rPr kumimoji="1" lang="ja-JP" altLang="en-US" dirty="0"/>
+              <a:t>私の研究テーマは自由記述文からの学習行動分析</a:t>
+            </a:r>
+          </a:p>
+        </p:txBody>
+      </p:sp>
+    </p:spTree>
+    <p:extLst>
+      <p:ext uri="{BB962C8B-B14F-4D97-AF65-F5344CB8AC3E}">
+        <p14:creationId xmlns:p14="http://schemas.microsoft.com/office/powerpoint/2010/main" val="2735329507"/>
+      </p:ext>
+    </p:extLst>
+  </p:cSld>
+  <p:clrMapOvr>
+    <a:masterClrMapping/>
+  </p:clrMapOvr>
+</p:notes>
+</file>
+
+<file path=ppt/notesSlides/notesSlide6.xml><?xml version="1.0" encoding="utf-8"?>
+<p:notes xmlns:a="http://schemas.openxmlformats.org/drawingml/2006/main" xmlns:r="http://schemas.openxmlformats.org/officeDocument/2006/relationships" xmlns:p="http://schemas.openxmlformats.org/presentationml/2006/main">
+  <p:cSld>
+    <p:spTree>
+      <p:nvGrpSpPr>
+        <p:cNvPr id="1" name=""/>
+        <p:cNvGrpSpPr/>
+        <p:nvPr/>
+      </p:nvGrpSpPr>
+      <p:grpSpPr>
+        <a:xfrm>
+          <a:off x="0" y="0"/>
+          <a:ext cx="0" cy="0"/>
+          <a:chOff x="0" y="0"/>
+          <a:chExt cx="0" cy="0"/>
+        </a:xfrm>
+      </p:grpSpPr>
+      <p:sp>
+        <p:nvSpPr>
+          <p:cNvPr id="2" name="スライド イメージ プレースホルダー 1"/>
+          <p:cNvSpPr>
+            <a:spLocks noGrp="1" noRot="1" noChangeAspect="1"/>
+          </p:cNvSpPr>
+          <p:nvPr>
+            <p:ph type="sldImg"/>
+          </p:nvPr>
+        </p:nvSpPr>
+        <p:spPr>
+          <a:xfrm>
+            <a:off x="381000" y="685800"/>
+            <a:ext cx="6096000" cy="3429000"/>
+          </a:xfrm>
+        </p:spPr>
+      </p:sp>
+      <p:sp>
+        <p:nvSpPr>
+          <p:cNvPr id="3" name="ノート プレースホルダー 2"/>
+          <p:cNvSpPr>
+            <a:spLocks noGrp="1"/>
+          </p:cNvSpPr>
+          <p:nvPr>
+            <p:ph type="body" idx="1"/>
+          </p:nvPr>
+        </p:nvSpPr>
+        <p:spPr/>
+        <p:txBody>
+          <a:bodyPr/>
+          <a:lstStyle/>
+          <a:p>
+            <a:r>
+              <a:rPr kumimoji="1" lang="ja-JP" altLang="en-US" dirty="0"/>
+              <a:t>まず，私の研究テーマについて説明します．</a:t>
+            </a:r>
+            <a:br>
+              <a:rPr kumimoji="1" lang="en-US" altLang="ja-JP" dirty="0"/>
+            </a:br>
+            <a:r>
+              <a:rPr kumimoji="1" lang="ja-JP" altLang="en-US" dirty="0"/>
+              <a:t>私の研究テーマは自由記述文からの学習行動分析</a:t>
+            </a:r>
+          </a:p>
+        </p:txBody>
+      </p:sp>
+    </p:spTree>
+    <p:extLst>
+      <p:ext uri="{BB962C8B-B14F-4D97-AF65-F5344CB8AC3E}">
+        <p14:creationId xmlns:p14="http://schemas.microsoft.com/office/powerpoint/2010/main" val="3416524039"/>
+      </p:ext>
+    </p:extLst>
+  </p:cSld>
+  <p:clrMapOvr>
+    <a:masterClrMapping/>
+  </p:clrMapOvr>
+</p:notes>
+</file>
+
+<file path=ppt/notesSlides/notesSlide7.xml><?xml version="1.0" encoding="utf-8"?>
+<p:notes xmlns:a="http://schemas.openxmlformats.org/drawingml/2006/main" xmlns:r="http://schemas.openxmlformats.org/officeDocument/2006/relationships" xmlns:p="http://schemas.openxmlformats.org/presentationml/2006/main">
+  <p:cSld>
+    <p:spTree>
+      <p:nvGrpSpPr>
+        <p:cNvPr id="1" name=""/>
+        <p:cNvGrpSpPr/>
+        <p:nvPr/>
+      </p:nvGrpSpPr>
+      <p:grpSpPr>
+        <a:xfrm>
+          <a:off x="0" y="0"/>
+          <a:ext cx="0" cy="0"/>
+          <a:chOff x="0" y="0"/>
+          <a:chExt cx="0" cy="0"/>
+        </a:xfrm>
+      </p:grpSpPr>
+      <p:sp>
+        <p:nvSpPr>
+          <p:cNvPr id="2" name="スライド イメージ プレースホルダー 1"/>
+          <p:cNvSpPr>
+            <a:spLocks noGrp="1" noRot="1" noChangeAspect="1"/>
+          </p:cNvSpPr>
+          <p:nvPr>
+            <p:ph type="sldImg"/>
+          </p:nvPr>
+        </p:nvSpPr>
+        <p:spPr>
+          <a:xfrm>
+            <a:off x="381000" y="685800"/>
+            <a:ext cx="6096000" cy="3429000"/>
+          </a:xfrm>
+        </p:spPr>
+      </p:sp>
+      <p:sp>
+        <p:nvSpPr>
+          <p:cNvPr id="3" name="ノート プレースホルダー 2"/>
+          <p:cNvSpPr>
+            <a:spLocks noGrp="1"/>
+          </p:cNvSpPr>
+          <p:nvPr>
+            <p:ph type="body" idx="1"/>
+          </p:nvPr>
+        </p:nvSpPr>
+        <p:spPr/>
+        <p:txBody>
+          <a:bodyPr/>
+          <a:lstStyle/>
+          <a:p>
+            <a:r>
+              <a:rPr kumimoji="1" lang="ja-JP" altLang="en-US" dirty="0"/>
+              <a:t>まず，私の研究テーマについて説明します．</a:t>
+            </a:r>
+            <a:br>
+              <a:rPr kumimoji="1" lang="en-US" altLang="ja-JP" dirty="0"/>
+            </a:br>
+            <a:r>
+              <a:rPr kumimoji="1" lang="ja-JP" altLang="en-US" dirty="0"/>
+              <a:t>私の研究テーマは自由記述文からの学習行動分析</a:t>
+            </a:r>
+          </a:p>
+        </p:txBody>
+      </p:sp>
+    </p:spTree>
+    <p:extLst>
+      <p:ext uri="{BB962C8B-B14F-4D97-AF65-F5344CB8AC3E}">
+        <p14:creationId xmlns:p14="http://schemas.microsoft.com/office/powerpoint/2010/main" val="4219558720"/>
+      </p:ext>
+    </p:extLst>
+  </p:cSld>
+  <p:clrMapOvr>
+    <a:masterClrMapping/>
+  </p:clrMapOvr>
+</p:notes>
+</file>
+
+<file path=ppt/notesSlides/notesSlide8.xml><?xml version="1.0" encoding="utf-8"?>
+<p:notes xmlns:a="http://schemas.openxmlformats.org/drawingml/2006/main" xmlns:r="http://schemas.openxmlformats.org/officeDocument/2006/relationships" xmlns:p="http://schemas.openxmlformats.org/presentationml/2006/main">
+  <p:cSld>
+    <p:spTree>
+      <p:nvGrpSpPr>
+        <p:cNvPr id="1" name=""/>
+        <p:cNvGrpSpPr/>
+        <p:nvPr/>
+      </p:nvGrpSpPr>
+      <p:grpSpPr>
+        <a:xfrm>
+          <a:off x="0" y="0"/>
+          <a:ext cx="0" cy="0"/>
+          <a:chOff x="0" y="0"/>
+          <a:chExt cx="0" cy="0"/>
+        </a:xfrm>
+      </p:grpSpPr>
+      <p:sp>
+        <p:nvSpPr>
+          <p:cNvPr id="2" name="スライド イメージ プレースホルダー 1"/>
+          <p:cNvSpPr>
+            <a:spLocks noGrp="1" noRot="1" noChangeAspect="1"/>
+          </p:cNvSpPr>
+          <p:nvPr>
+            <p:ph type="sldImg"/>
+          </p:nvPr>
+        </p:nvSpPr>
+        <p:spPr>
+          <a:xfrm>
+            <a:off x="381000" y="685800"/>
+            <a:ext cx="6096000" cy="3429000"/>
+          </a:xfrm>
+        </p:spPr>
+      </p:sp>
+      <p:sp>
+        <p:nvSpPr>
+          <p:cNvPr id="3" name="ノート プレースホルダー 2"/>
+          <p:cNvSpPr>
+            <a:spLocks noGrp="1"/>
+          </p:cNvSpPr>
+          <p:nvPr>
+            <p:ph type="body" idx="1"/>
+          </p:nvPr>
+        </p:nvSpPr>
+        <p:spPr/>
+        <p:txBody>
+          <a:bodyPr/>
+          <a:lstStyle/>
+          <a:p>
+            <a:r>
+              <a:rPr kumimoji="1" lang="ja-JP" altLang="en-US" dirty="0"/>
+              <a:t>まず，私の研究テーマについて説明します．</a:t>
+            </a:r>
+            <a:br>
+              <a:rPr kumimoji="1" lang="en-US" altLang="ja-JP" dirty="0"/>
+            </a:br>
+            <a:r>
+              <a:rPr kumimoji="1" lang="ja-JP" altLang="en-US" dirty="0"/>
+              <a:t>私の研究テーマは自由記述文からの学習行動分析</a:t>
+            </a:r>
+          </a:p>
+        </p:txBody>
+      </p:sp>
+    </p:spTree>
+    <p:extLst>
+      <p:ext uri="{BB962C8B-B14F-4D97-AF65-F5344CB8AC3E}">
+        <p14:creationId xmlns:p14="http://schemas.microsoft.com/office/powerpoint/2010/main" val="3929261462"/>
+      </p:ext>
+    </p:extLst>
+  </p:cSld>
+  <p:clrMapOvr>
+    <a:masterClrMapping/>
+  </p:clrMapOvr>
+</p:notes>
+</file>
+
 <file path=ppt/slideLayouts/slideLayout1.xml><?xml version="1.0" encoding="utf-8"?>
 <p:sldLayout xmlns:a="http://schemas.openxmlformats.org/drawingml/2006/main" xmlns:r="http://schemas.openxmlformats.org/officeDocument/2006/relationships" xmlns:p="http://schemas.openxmlformats.org/presentationml/2006/main" showMasterSp="0" type="title">
   <p:cSld name="タイトル スライド">
@@ -2232,7 +2768,7 @@
           </a:ln>
           <a:extLst>
             <a:ext uri="{C572A759-6A51-4108-AA02-DFA0A04FC94B}">
-              <ma14:wrappingTextBoxFlag xmlns="" xmlns:m="http://schemas.openxmlformats.org/officeDocument/2006/math" xmlns:a14="http://schemas.microsoft.com/office/drawing/2010/main" xmlns:ma14="http://schemas.microsoft.com/office/mac/drawingml/2011/main" val="1"/>
+              <ma14:wrappingTextBoxFlag xmlns:ma14="http://schemas.microsoft.com/office/mac/drawingml/2011/main" xmlns:a14="http://schemas.microsoft.com/office/drawing/2010/main" xmlns:m="http://schemas.openxmlformats.org/officeDocument/2006/math" xmlns="" val="1"/>
             </a:ext>
           </a:extLst>
         </p:spPr>
@@ -2271,7 +2807,7 @@
           </a:ln>
           <a:extLst>
             <a:ext uri="{C572A759-6A51-4108-AA02-DFA0A04FC94B}">
-              <ma14:wrappingTextBoxFlag xmlns="" xmlns:m="http://schemas.openxmlformats.org/officeDocument/2006/math" xmlns:a14="http://schemas.microsoft.com/office/drawing/2010/main" xmlns:ma14="http://schemas.microsoft.com/office/mac/drawingml/2011/main" val="1"/>
+              <ma14:wrappingTextBoxFlag xmlns:ma14="http://schemas.microsoft.com/office/mac/drawingml/2011/main" xmlns:a14="http://schemas.microsoft.com/office/drawing/2010/main" xmlns:m="http://schemas.openxmlformats.org/officeDocument/2006/math" xmlns="" val="1"/>
             </a:ext>
           </a:extLst>
         </p:spPr>
@@ -3130,20 +3666,22 @@
           </a:prstGeom>
         </p:spPr>
         <p:txBody>
-          <a:bodyPr/>
+          <a:bodyPr>
+            <a:normAutofit fontScale="90000"/>
+          </a:bodyPr>
           <a:lstStyle/>
           <a:p>
             <a:r>
               <a:rPr lang="en-US" dirty="0" err="1"/>
-              <a:t>モデル</a:t>
-            </a:r>
-            <a:r>
-              <a:rPr lang="ja-JP" altLang="en-US" dirty="0"/>
-              <a:t>の運用，</a:t>
-            </a:r>
-            <a:r>
-              <a:rPr lang="en-US" dirty="0" err="1"/>
-              <a:t>比較</a:t>
+              <a:t>論文調査</a:t>
+            </a:r>
+            <a:r>
+              <a:rPr lang="en-US" dirty="0"/>
+              <a:t>：</a:t>
+            </a:r>
+            <a:r>
+              <a:rPr lang="en" altLang="ja-JP" dirty="0"/>
+              <a:t>RoBERTa: A Robustly Optimized BERT Pretraining Approach</a:t>
             </a:r>
             <a:endParaRPr dirty="0"/>
           </a:p>
@@ -3234,6 +3772,400 @@
         </p:txBody>
       </p:sp>
     </p:spTree>
+  </p:cSld>
+  <p:clrMapOvr>
+    <a:masterClrMapping/>
+  </p:clrMapOvr>
+  <p:transition spd="med"/>
+</p:sld>
+</file>
+
+<file path=ppt/slides/slide10.xml><?xml version="1.0" encoding="utf-8"?>
+<p:sld xmlns:a="http://schemas.openxmlformats.org/drawingml/2006/main" xmlns:r="http://schemas.openxmlformats.org/officeDocument/2006/relationships" xmlns:p="http://schemas.openxmlformats.org/presentationml/2006/main">
+  <p:cSld>
+    <p:spTree>
+      <p:nvGrpSpPr>
+        <p:cNvPr id="1" name=""/>
+        <p:cNvGrpSpPr/>
+        <p:nvPr/>
+      </p:nvGrpSpPr>
+      <p:grpSpPr>
+        <a:xfrm>
+          <a:off x="0" y="0"/>
+          <a:ext cx="0" cy="0"/>
+          <a:chOff x="0" y="0"/>
+          <a:chExt cx="0" cy="0"/>
+        </a:xfrm>
+      </p:grpSpPr>
+      <p:sp>
+        <p:nvSpPr>
+          <p:cNvPr id="89" name="編集エリア"/>
+          <p:cNvSpPr txBox="1">
+            <a:spLocks noGrp="1"/>
+          </p:cNvSpPr>
+          <p:nvPr>
+            <p:ph type="title"/>
+          </p:nvPr>
+        </p:nvSpPr>
+        <p:spPr>
+          <a:prstGeom prst="rect">
+            <a:avLst/>
+          </a:prstGeom>
+        </p:spPr>
+        <p:txBody>
+          <a:bodyPr/>
+          <a:lstStyle/>
+          <a:p>
+            <a:pPr lvl="1"/>
+            <a:r>
+              <a:rPr lang="ja-JP" altLang="en-US"/>
+              <a:t>データセット</a:t>
+            </a:r>
+            <a:endParaRPr lang="en-US" altLang="ja-JP" dirty="0"/>
+          </a:p>
+        </p:txBody>
+      </p:sp>
+      <p:sp>
+        <p:nvSpPr>
+          <p:cNvPr id="90" name="sample…"/>
+          <p:cNvSpPr txBox="1">
+            <a:spLocks noGrp="1"/>
+          </p:cNvSpPr>
+          <p:nvPr>
+            <p:ph type="body" idx="1"/>
+          </p:nvPr>
+        </p:nvSpPr>
+        <p:spPr>
+          <a:xfrm>
+            <a:off x="515730" y="1901388"/>
+            <a:ext cx="23796494" cy="10843061"/>
+          </a:xfrm>
+          <a:prstGeom prst="rect">
+            <a:avLst/>
+          </a:prstGeom>
+        </p:spPr>
+        <p:txBody>
+          <a:bodyPr>
+            <a:normAutofit/>
+          </a:bodyPr>
+          <a:lstStyle/>
+          <a:p>
+            <a:r>
+              <a:rPr lang="en-US" altLang="ja-JP" dirty="0"/>
+              <a:t>BOOKCORPUS (16GB)</a:t>
+            </a:r>
+          </a:p>
+          <a:p>
+            <a:pPr lvl="1"/>
+            <a:r>
+              <a:rPr lang="ja-JP" altLang="en-US"/>
+              <a:t>オリジナルのデータ？</a:t>
+            </a:r>
+            <a:endParaRPr lang="en-US" altLang="ja-JP" dirty="0"/>
+          </a:p>
+          <a:p>
+            <a:r>
+              <a:rPr lang="en-US" altLang="ja-JP" dirty="0"/>
+              <a:t>CC-NEWS (76GB)</a:t>
+            </a:r>
+          </a:p>
+          <a:p>
+            <a:pPr lvl="1"/>
+            <a:r>
+              <a:rPr lang="en-US" altLang="ja-JP" dirty="0" err="1"/>
+              <a:t>CommonCrawl</a:t>
+            </a:r>
+            <a:r>
+              <a:rPr lang="en-US" altLang="ja-JP" dirty="0"/>
+              <a:t> </a:t>
+            </a:r>
+            <a:r>
+              <a:rPr lang="en-US" altLang="ja-JP" dirty="0" err="1"/>
+              <a:t>Newa</a:t>
+            </a:r>
+            <a:r>
+              <a:rPr lang="en-US" altLang="ja-JP" dirty="0"/>
+              <a:t> dataset</a:t>
+            </a:r>
+            <a:r>
+              <a:rPr lang="ja-JP" altLang="en-US"/>
+              <a:t>から収集</a:t>
+            </a:r>
+            <a:endParaRPr lang="en-US" altLang="ja-JP" dirty="0"/>
+          </a:p>
+          <a:p>
+            <a:pPr lvl="1"/>
+            <a:r>
+              <a:rPr lang="en-US" altLang="ja-JP" dirty="0"/>
+              <a:t>6300</a:t>
+            </a:r>
+            <a:r>
+              <a:rPr lang="ja-JP" altLang="en-US"/>
+              <a:t>万の英記事</a:t>
+            </a:r>
+            <a:r>
+              <a:rPr lang="en-US" altLang="ja-JP" dirty="0"/>
+              <a:t>(2016-2019)</a:t>
+            </a:r>
+          </a:p>
+          <a:p>
+            <a:r>
+              <a:rPr lang="en-US" altLang="ja-JP" dirty="0"/>
+              <a:t>OPENWEBTEXT (38GB)</a:t>
+            </a:r>
+          </a:p>
+          <a:p>
+            <a:pPr lvl="1"/>
+            <a:r>
+              <a:rPr lang="ja-JP" altLang="en-US"/>
+              <a:t>オープンソースの</a:t>
+            </a:r>
+            <a:r>
+              <a:rPr lang="en-US" altLang="ja-JP" dirty="0"/>
+              <a:t>web</a:t>
+            </a:r>
+            <a:r>
+              <a:rPr lang="ja-JP" altLang="en-US"/>
+              <a:t>コーパス</a:t>
+            </a:r>
+            <a:endParaRPr lang="en-US" altLang="ja-JP" dirty="0"/>
+          </a:p>
+          <a:p>
+            <a:pPr lvl="1"/>
+            <a:r>
+              <a:rPr lang="en-US" altLang="ja-JP" dirty="0"/>
+              <a:t>Reddit</a:t>
+            </a:r>
+            <a:r>
+              <a:rPr lang="ja-JP" altLang="en-US"/>
+              <a:t>上でシェアされ，高評価</a:t>
+            </a:r>
+            <a:r>
+              <a:rPr lang="en-US" altLang="ja-JP" dirty="0"/>
+              <a:t>3</a:t>
+            </a:r>
+            <a:r>
+              <a:rPr lang="ja-JP" altLang="en-US"/>
+              <a:t>以上の</a:t>
+            </a:r>
+            <a:r>
+              <a:rPr lang="en-US" altLang="ja-JP" dirty="0"/>
+              <a:t>web</a:t>
+            </a:r>
+            <a:r>
+              <a:rPr lang="ja-JP" altLang="en-US"/>
+              <a:t>ページから収集</a:t>
+            </a:r>
+            <a:endParaRPr lang="en-US" altLang="ja-JP" dirty="0"/>
+          </a:p>
+          <a:p>
+            <a:r>
+              <a:rPr lang="en-US" altLang="ja-JP" dirty="0"/>
+              <a:t>STORIES (31GB)</a:t>
+            </a:r>
+          </a:p>
+          <a:p>
+            <a:pPr lvl="1"/>
+            <a:r>
+              <a:rPr lang="en-US" altLang="ja-JP" dirty="0" err="1"/>
+              <a:t>CommonCrawl</a:t>
+            </a:r>
+            <a:r>
+              <a:rPr lang="en-US" altLang="ja-JP" dirty="0"/>
+              <a:t> </a:t>
+            </a:r>
+            <a:r>
+              <a:rPr lang="en-US" altLang="ja-JP" dirty="0" err="1"/>
+              <a:t>Newa</a:t>
+            </a:r>
+            <a:r>
+              <a:rPr lang="en-US" altLang="ja-JP" dirty="0"/>
+              <a:t> dataset</a:t>
+            </a:r>
+            <a:r>
+              <a:rPr lang="ja-JP" altLang="en-US"/>
+              <a:t>から収集</a:t>
+            </a:r>
+            <a:endParaRPr lang="en-US" altLang="ja-JP" dirty="0"/>
+          </a:p>
+          <a:p>
+            <a:pPr lvl="1"/>
+            <a:r>
+              <a:rPr lang="ja-JP" altLang="en-US"/>
+              <a:t>物語形式の文章</a:t>
+            </a:r>
+            <a:endParaRPr lang="en-US" altLang="ja-JP" dirty="0"/>
+          </a:p>
+          <a:p>
+            <a:pPr lvl="1"/>
+            <a:endParaRPr lang="en-US" altLang="ja-JP" dirty="0"/>
+          </a:p>
+          <a:p>
+            <a:pPr lvl="1"/>
+            <a:endParaRPr lang="en-US" altLang="ja-JP" dirty="0"/>
+          </a:p>
+        </p:txBody>
+      </p:sp>
+    </p:spTree>
+    <p:extLst>
+      <p:ext uri="{BB962C8B-B14F-4D97-AF65-F5344CB8AC3E}">
+        <p14:creationId xmlns:p14="http://schemas.microsoft.com/office/powerpoint/2010/main" val="1072786947"/>
+      </p:ext>
+    </p:extLst>
+  </p:cSld>
+  <p:clrMapOvr>
+    <a:masterClrMapping/>
+  </p:clrMapOvr>
+  <p:transition spd="med"/>
+</p:sld>
+</file>
+
+<file path=ppt/slides/slide11.xml><?xml version="1.0" encoding="utf-8"?>
+<p:sld xmlns:a="http://schemas.openxmlformats.org/drawingml/2006/main" xmlns:r="http://schemas.openxmlformats.org/officeDocument/2006/relationships" xmlns:p="http://schemas.openxmlformats.org/presentationml/2006/main">
+  <p:cSld>
+    <p:spTree>
+      <p:nvGrpSpPr>
+        <p:cNvPr id="1" name=""/>
+        <p:cNvGrpSpPr/>
+        <p:nvPr/>
+      </p:nvGrpSpPr>
+      <p:grpSpPr>
+        <a:xfrm>
+          <a:off x="0" y="0"/>
+          <a:ext cx="0" cy="0"/>
+          <a:chOff x="0" y="0"/>
+          <a:chExt cx="0" cy="0"/>
+        </a:xfrm>
+      </p:grpSpPr>
+      <p:sp>
+        <p:nvSpPr>
+          <p:cNvPr id="89" name="編集エリア"/>
+          <p:cNvSpPr txBox="1">
+            <a:spLocks noGrp="1"/>
+          </p:cNvSpPr>
+          <p:nvPr>
+            <p:ph type="title"/>
+          </p:nvPr>
+        </p:nvSpPr>
+        <p:spPr>
+          <a:prstGeom prst="rect">
+            <a:avLst/>
+          </a:prstGeom>
+        </p:spPr>
+        <p:txBody>
+          <a:bodyPr/>
+          <a:lstStyle/>
+          <a:p>
+            <a:r>
+              <a:rPr lang="ja-JP" altLang="en-US"/>
+              <a:t>おわりに</a:t>
+            </a:r>
+            <a:endParaRPr dirty="0"/>
+          </a:p>
+        </p:txBody>
+      </p:sp>
+      <p:sp>
+        <p:nvSpPr>
+          <p:cNvPr id="90" name="sample…"/>
+          <p:cNvSpPr txBox="1">
+            <a:spLocks noGrp="1"/>
+          </p:cNvSpPr>
+          <p:nvPr>
+            <p:ph type="body" idx="1"/>
+          </p:nvPr>
+        </p:nvSpPr>
+        <p:spPr>
+          <a:prstGeom prst="rect">
+            <a:avLst/>
+          </a:prstGeom>
+        </p:spPr>
+        <p:txBody>
+          <a:bodyPr/>
+          <a:lstStyle/>
+          <a:p>
+            <a:r>
+              <a:rPr lang="ja-JP" altLang="en-US"/>
+              <a:t>研究テーマ</a:t>
+            </a:r>
+            <a:endParaRPr lang="en-US" altLang="ja-JP" dirty="0"/>
+          </a:p>
+          <a:p>
+            <a:r>
+              <a:rPr lang="ja-JP" altLang="en-US"/>
+              <a:t>進捗</a:t>
+            </a:r>
+            <a:endParaRPr lang="en-US" altLang="ja-JP" dirty="0"/>
+          </a:p>
+          <a:p>
+            <a:r>
+              <a:rPr lang="en-US" altLang="ja-JP" dirty="0"/>
+              <a:t>RoBERTa</a:t>
+            </a:r>
+          </a:p>
+          <a:p>
+            <a:pPr lvl="1"/>
+            <a:r>
+              <a:rPr lang="en-US" altLang="ja-JP" dirty="0"/>
+              <a:t>BERT</a:t>
+            </a:r>
+            <a:r>
+              <a:rPr lang="ja-JP" altLang="en-US"/>
+              <a:t>からの変更点</a:t>
+            </a:r>
+            <a:endParaRPr lang="en-US" altLang="ja-JP" dirty="0"/>
+          </a:p>
+          <a:p>
+            <a:pPr lvl="1"/>
+            <a:r>
+              <a:rPr lang="ja-JP" altLang="en-US"/>
+              <a:t>性能比較</a:t>
+            </a:r>
+            <a:endParaRPr lang="en-US" altLang="ja-JP" dirty="0"/>
+          </a:p>
+          <a:p>
+            <a:r>
+              <a:rPr lang="ja-JP" altLang="en-US"/>
+              <a:t>データセットの調査</a:t>
+            </a:r>
+            <a:endParaRPr lang="en-US" altLang="ja-JP" dirty="0"/>
+          </a:p>
+          <a:p>
+            <a:endParaRPr lang="en-US" dirty="0"/>
+          </a:p>
+          <a:p>
+            <a:endParaRPr lang="en-US" dirty="0"/>
+          </a:p>
+          <a:p>
+            <a:r>
+              <a:rPr lang="ja-JP" altLang="en-US"/>
+              <a:t>今後の予定</a:t>
+            </a:r>
+            <a:endParaRPr lang="en-US" altLang="ja-JP" dirty="0"/>
+          </a:p>
+          <a:p>
+            <a:pPr lvl="1"/>
+            <a:r>
+              <a:rPr lang="ja-JP" altLang="en-US"/>
+              <a:t>評価指標について調査</a:t>
+            </a:r>
+            <a:endParaRPr lang="en-US" altLang="ja-JP" dirty="0"/>
+          </a:p>
+          <a:p>
+            <a:pPr lvl="1"/>
+            <a:r>
+              <a:rPr lang="ja-JP" altLang="en-US"/>
+              <a:t>他モデルの調査，検証</a:t>
+            </a:r>
+            <a:endParaRPr dirty="0"/>
+          </a:p>
+        </p:txBody>
+      </p:sp>
+    </p:spTree>
+    <p:extLst>
+      <p:ext uri="{BB962C8B-B14F-4D97-AF65-F5344CB8AC3E}">
+        <p14:creationId xmlns:p14="http://schemas.microsoft.com/office/powerpoint/2010/main" val="601632635"/>
+      </p:ext>
+    </p:extLst>
   </p:cSld>
   <p:clrMapOvr>
     <a:masterClrMapping/>
@@ -3306,38 +4238,54 @@
           <a:lstStyle/>
           <a:p>
             <a:r>
-              <a:rPr lang="ja-JP" altLang="en-US" dirty="0"/>
-              <a:t>早大</a:t>
-            </a:r>
-            <a:r>
-              <a:rPr lang="en-US" altLang="ja-JP" dirty="0" err="1"/>
+              <a:rPr lang="ja-JP" altLang="en-US"/>
+              <a:t>研究テーマ</a:t>
+            </a:r>
+            <a:endParaRPr lang="en-US" altLang="ja-JP" dirty="0"/>
+          </a:p>
+          <a:p>
+            <a:r>
+              <a:rPr lang="ja-JP" altLang="en-US"/>
+              <a:t>進捗</a:t>
+            </a:r>
+            <a:endParaRPr lang="en-US" altLang="ja-JP" dirty="0"/>
+          </a:p>
+          <a:p>
+            <a:r>
+              <a:rPr lang="en-US" altLang="ja-JP" dirty="0"/>
               <a:t>RoBERTa</a:t>
             </a:r>
+          </a:p>
+          <a:p>
+            <a:pPr lvl="1"/>
+            <a:r>
+              <a:rPr lang="en-US" altLang="ja-JP" dirty="0"/>
+              <a:t>BERT</a:t>
+            </a:r>
+            <a:r>
+              <a:rPr lang="ja-JP" altLang="en-US"/>
+              <a:t>からの変更点</a:t>
+            </a:r>
             <a:endParaRPr lang="en-US" altLang="ja-JP" dirty="0"/>
           </a:p>
           <a:p>
             <a:pPr lvl="1"/>
             <a:r>
-              <a:rPr lang="ja-JP" altLang="en-US" dirty="0"/>
-              <a:t>理論</a:t>
-            </a:r>
-            <a:endParaRPr lang="en-US" dirty="0"/>
+              <a:rPr lang="ja-JP" altLang="en-US"/>
+              <a:t>性能比較</a:t>
+            </a:r>
+            <a:endParaRPr lang="en-US" altLang="ja-JP" dirty="0"/>
+          </a:p>
+          <a:p>
+            <a:r>
+              <a:rPr lang="ja-JP" altLang="en-US"/>
+              <a:t>データセットの調査</a:t>
+            </a:r>
+            <a:endParaRPr lang="en-US" altLang="ja-JP" dirty="0"/>
           </a:p>
           <a:p>
             <a:pPr lvl="1"/>
-            <a:r>
-              <a:rPr lang="ja-JP" altLang="en-US" dirty="0"/>
-              <a:t>モデル概要</a:t>
-            </a:r>
             <a:endParaRPr lang="en-US" altLang="ja-JP" dirty="0"/>
-          </a:p>
-          <a:p>
-            <a:pPr lvl="1"/>
-            <a:r>
-              <a:rPr lang="ja-JP" altLang="en-US" dirty="0"/>
-              <a:t>実行結果</a:t>
-            </a:r>
-            <a:endParaRPr dirty="0"/>
           </a:p>
         </p:txBody>
       </p:sp>
@@ -3447,17 +4395,6 @@
               <a:rPr lang="en-US" altLang="ja-JP" dirty="0"/>
               <a:t>(NLP)</a:t>
             </a:r>
-          </a:p>
-          <a:p>
-            <a:pPr lvl="1"/>
-            <a:r>
-              <a:rPr lang="ja-JP" altLang="en-US" dirty="0"/>
-              <a:t>テキストマイニング</a:t>
-            </a:r>
-            <a:endParaRPr lang="en-US" altLang="ja-JP" dirty="0"/>
-          </a:p>
-          <a:p>
-            <a:endParaRPr lang="en-US" altLang="ja-JP" dirty="0"/>
           </a:p>
         </p:txBody>
       </p:sp>
@@ -3512,12 +4449,8 @@
           <a:lstStyle/>
           <a:p>
             <a:r>
-              <a:rPr lang="ja-JP" altLang="en-US" dirty="0"/>
-              <a:t>早稲田大学</a:t>
-            </a:r>
-            <a:r>
-              <a:rPr lang="en-US" altLang="ja-JP" dirty="0" err="1"/>
-              <a:t>RoBERT</a:t>
+              <a:rPr lang="en-US" dirty="0"/>
+              <a:t>RoBERTa []</a:t>
             </a:r>
             <a:endParaRPr dirty="0"/>
           </a:p>
@@ -3534,10 +4467,6 @@
           </p:nvPr>
         </p:nvSpPr>
         <p:spPr>
-          <a:xfrm>
-            <a:off x="515730" y="1901388"/>
-            <a:ext cx="23796494" cy="11683127"/>
-          </a:xfrm>
           <a:prstGeom prst="rect">
             <a:avLst/>
           </a:prstGeom>
@@ -3547,43 +4476,203 @@
           <a:lstStyle/>
           <a:p>
             <a:r>
-              <a:rPr lang="en-US" dirty="0"/>
+              <a:rPr lang="en-US" altLang="ja-JP" dirty="0"/>
               <a:t>BERT</a:t>
             </a:r>
             <a:r>
-              <a:rPr lang="ja-JP" altLang="en-US" dirty="0"/>
-              <a:t>ベースのモデル</a:t>
+              <a:rPr lang="ja-JP" altLang="en-US"/>
+              <a:t>の改良モデル</a:t>
             </a:r>
             <a:endParaRPr lang="en-US" altLang="ja-JP" dirty="0"/>
           </a:p>
           <a:p>
             <a:r>
-              <a:rPr lang="ja-JP" altLang="en-US" dirty="0"/>
-              <a:t>単語分解には</a:t>
-            </a:r>
-            <a:r>
               <a:rPr lang="en-US" altLang="ja-JP" dirty="0"/>
-              <a:t>JUMAN++</a:t>
-            </a:r>
-            <a:r>
-              <a:rPr lang="ja-JP" altLang="en-US" dirty="0"/>
-              <a:t>を利用</a:t>
+              <a:t>4</a:t>
+            </a:r>
+            <a:r>
+              <a:rPr lang="ja-JP" altLang="en-US"/>
+              <a:t>タスクで</a:t>
+            </a:r>
+            <a:r>
+              <a:rPr lang="en-US" altLang="ja-JP" dirty="0"/>
+              <a:t>SOTA</a:t>
+            </a:r>
+          </a:p>
+          <a:p>
+            <a:r>
+              <a:rPr lang="ja-JP" altLang="en-US"/>
+              <a:t>改良点</a:t>
             </a:r>
             <a:endParaRPr lang="en-US" altLang="ja-JP" dirty="0"/>
           </a:p>
           <a:p>
-            <a:r>
-              <a:rPr lang="ja-JP" altLang="en-US" dirty="0"/>
-              <a:t>文章理解タスクにおいて高評価</a:t>
-            </a:r>
-            <a:endParaRPr lang="en-US" dirty="0"/>
+            <a:pPr lvl="1"/>
+            <a:r>
+              <a:rPr lang="ja-JP" altLang="en-US"/>
+              <a:t>モデルの大型化</a:t>
+            </a:r>
+            <a:endParaRPr lang="en-US" altLang="ja-JP" dirty="0"/>
+          </a:p>
+          <a:p>
+            <a:pPr lvl="1"/>
+            <a:r>
+              <a:rPr lang="ja-JP" altLang="en-US"/>
+              <a:t>学習データの大型化</a:t>
+            </a:r>
+            <a:endParaRPr lang="en-US" altLang="ja-JP" dirty="0"/>
+          </a:p>
+          <a:p>
+            <a:pPr lvl="1"/>
+            <a:r>
+              <a:rPr lang="en-US" altLang="ja-JP" dirty="0"/>
+              <a:t>NLP</a:t>
+            </a:r>
+            <a:r>
+              <a:rPr lang="ja-JP" altLang="en-US"/>
+              <a:t>廃止</a:t>
+            </a:r>
+            <a:endParaRPr lang="en-US" altLang="ja-JP" dirty="0"/>
+          </a:p>
+          <a:p>
+            <a:pPr lvl="1"/>
+            <a:r>
+              <a:rPr lang="en-US" altLang="ja-JP" dirty="0"/>
+              <a:t>MLM</a:t>
+            </a:r>
+            <a:r>
+              <a:rPr lang="ja-JP" altLang="en-US"/>
+              <a:t>の改良</a:t>
+            </a:r>
+            <a:endParaRPr lang="en-US" altLang="ja-JP" dirty="0"/>
+          </a:p>
+          <a:p>
+            <a:pPr lvl="1"/>
+            <a:endParaRPr lang="en-US" altLang="ja-JP" dirty="0"/>
           </a:p>
         </p:txBody>
       </p:sp>
+      <p:pic>
+        <p:nvPicPr>
+          <p:cNvPr id="3" name="図 2" descr="ダイアグラム&#10;&#10;自動的に生成された説明">
+            <a:extLst>
+              <a:ext uri="{FF2B5EF4-FFF2-40B4-BE49-F238E27FC236}">
+                <a16:creationId xmlns:a16="http://schemas.microsoft.com/office/drawing/2014/main" id="{E6281F05-32E4-F7C7-06CB-6BFF668A2D73}"/>
+              </a:ext>
+            </a:extLst>
+          </p:cNvPr>
+          <p:cNvPicPr>
+            <a:picLocks noChangeAspect="1"/>
+          </p:cNvPicPr>
+          <p:nvPr/>
+        </p:nvPicPr>
+        <p:blipFill>
+          <a:blip r:embed="rId3">
+            <a:extLst>
+              <a:ext uri="{28A0092B-C50C-407E-A947-70E740481C1C}">
+                <a14:useLocalDpi xmlns:a14="http://schemas.microsoft.com/office/drawing/2010/main" val="0"/>
+              </a:ext>
+              <a:ext uri="{837473B0-CC2E-450A-ABE3-18F120FF3D39}">
+                <a1611:picAttrSrcUrl xmlns:a1611="http://schemas.microsoft.com/office/drawing/2016/11/main" r:id="rId4"/>
+              </a:ext>
+            </a:extLst>
+          </a:blip>
+          <a:stretch>
+            <a:fillRect/>
+          </a:stretch>
+        </p:blipFill>
+        <p:spPr>
+          <a:xfrm>
+            <a:off x="9505041" y="3631292"/>
+            <a:ext cx="13345107" cy="8183320"/>
+          </a:xfrm>
+          <a:prstGeom prst="rect">
+            <a:avLst/>
+          </a:prstGeom>
+        </p:spPr>
+      </p:pic>
+      <p:pic>
+        <p:nvPicPr>
+          <p:cNvPr id="7" name="図 6" descr="ダイアグラム&#10;&#10;自動的に生成された説明">
+            <a:extLst>
+              <a:ext uri="{FF2B5EF4-FFF2-40B4-BE49-F238E27FC236}">
+                <a16:creationId xmlns:a16="http://schemas.microsoft.com/office/drawing/2014/main" id="{C8D0FB33-8C14-F8A8-2A9C-ED18D4BE50F7}"/>
+              </a:ext>
+            </a:extLst>
+          </p:cNvPr>
+          <p:cNvPicPr>
+            <a:picLocks noChangeAspect="1"/>
+          </p:cNvPicPr>
+          <p:nvPr/>
+        </p:nvPicPr>
+        <p:blipFill>
+          <a:blip r:embed="rId5">
+            <a:extLst>
+              <a:ext uri="{28A0092B-C50C-407E-A947-70E740481C1C}">
+                <a14:useLocalDpi xmlns:a14="http://schemas.microsoft.com/office/drawing/2010/main" val="0"/>
+              </a:ext>
+              <a:ext uri="{837473B0-CC2E-450A-ABE3-18F120FF3D39}">
+                <a1611:picAttrSrcUrl xmlns:a1611="http://schemas.microsoft.com/office/drawing/2016/11/main" r:id="rId6"/>
+              </a:ext>
+            </a:extLst>
+          </a:blip>
+          <a:stretch>
+            <a:fillRect/>
+          </a:stretch>
+        </p:blipFill>
+        <p:spPr>
+          <a:xfrm>
+            <a:off x="1732640" y="7775190"/>
+            <a:ext cx="14005721" cy="5331209"/>
+          </a:xfrm>
+          <a:prstGeom prst="rect">
+            <a:avLst/>
+          </a:prstGeom>
+        </p:spPr>
+      </p:pic>
+      <p:pic>
+        <p:nvPicPr>
+          <p:cNvPr id="13" name="図 12" descr="グラフィカル ユーザー インターフェイス&#10;&#10;低い精度で自動的に生成された説明">
+            <a:extLst>
+              <a:ext uri="{FF2B5EF4-FFF2-40B4-BE49-F238E27FC236}">
+                <a16:creationId xmlns:a16="http://schemas.microsoft.com/office/drawing/2014/main" id="{4A5B9603-555F-C1C5-E31C-A798808B386C}"/>
+              </a:ext>
+            </a:extLst>
+          </p:cNvPr>
+          <p:cNvPicPr>
+            <a:picLocks noChangeAspect="1"/>
+          </p:cNvPicPr>
+          <p:nvPr/>
+        </p:nvPicPr>
+        <p:blipFill>
+          <a:blip r:embed="rId7">
+            <a:extLst>
+              <a:ext uri="{28A0092B-C50C-407E-A947-70E740481C1C}">
+                <a14:useLocalDpi xmlns:a14="http://schemas.microsoft.com/office/drawing/2010/main" val="0"/>
+              </a:ext>
+              <a:ext uri="{837473B0-CC2E-450A-ABE3-18F120FF3D39}">
+                <a1611:picAttrSrcUrl xmlns:a1611="http://schemas.microsoft.com/office/drawing/2016/11/main" r:id="rId8"/>
+              </a:ext>
+            </a:extLst>
+          </a:blip>
+          <a:stretch>
+            <a:fillRect/>
+          </a:stretch>
+        </p:blipFill>
+        <p:spPr>
+          <a:xfrm>
+            <a:off x="7648121" y="2114995"/>
+            <a:ext cx="11203735" cy="6897007"/>
+          </a:xfrm>
+          <a:prstGeom prst="rect">
+            <a:avLst/>
+          </a:prstGeom>
+        </p:spPr>
+      </p:pic>
     </p:spTree>
     <p:extLst>
       <p:ext uri="{BB962C8B-B14F-4D97-AF65-F5344CB8AC3E}">
-        <p14:creationId xmlns:p14="http://schemas.microsoft.com/office/powerpoint/2010/main" val="1716497102"/>
+        <p14:creationId xmlns:p14="http://schemas.microsoft.com/office/powerpoint/2010/main" val="613246217"/>
       </p:ext>
     </p:extLst>
   </p:cSld>
@@ -3631,8 +4720,8 @@
           <a:lstStyle/>
           <a:p>
             <a:r>
-              <a:rPr lang="ja-JP" altLang="en-US" dirty="0"/>
-              <a:t>モデル設計</a:t>
+              <a:rPr lang="en-US" dirty="0" err="1"/>
+              <a:t>モデルの大型化</a:t>
             </a:r>
             <a:endParaRPr dirty="0"/>
           </a:p>
@@ -3658,94 +4747,96 @@
           <a:lstStyle/>
           <a:p>
             <a:r>
-              <a:rPr lang="ja-JP" altLang="en-US" dirty="0"/>
-              <a:t>目的</a:t>
+              <a:rPr lang="en-US" altLang="ja-JP" dirty="0"/>
+              <a:t>BERT</a:t>
+            </a:r>
+            <a:r>
+              <a:rPr lang="ja-JP" altLang="en-US"/>
+              <a:t>の改良モデル</a:t>
             </a:r>
             <a:endParaRPr lang="en-US" altLang="ja-JP" dirty="0"/>
           </a:p>
           <a:p>
+            <a:r>
+              <a:rPr lang="en-US" altLang="ja-JP" dirty="0"/>
+              <a:t>4</a:t>
+            </a:r>
+            <a:r>
+              <a:rPr lang="ja-JP" altLang="en-US"/>
+              <a:t>タスクで</a:t>
+            </a:r>
+            <a:r>
+              <a:rPr lang="en-US" altLang="ja-JP" dirty="0"/>
+              <a:t>SOTA</a:t>
+            </a:r>
+          </a:p>
+          <a:p>
+            <a:r>
+              <a:rPr lang="ja-JP" altLang="en-US"/>
+              <a:t>改良点</a:t>
+            </a:r>
+            <a:endParaRPr lang="en-US" altLang="ja-JP" dirty="0"/>
+          </a:p>
+          <a:p>
             <a:pPr lvl="1"/>
             <a:r>
-              <a:rPr lang="ja-JP" altLang="en-US" dirty="0"/>
-              <a:t>記述された文章の知能レベルの測定</a:t>
+              <a:rPr lang="en-US" altLang="ja-JP" dirty="0"/>
+              <a:t>Dynamic masking</a:t>
+            </a:r>
+          </a:p>
+          <a:p>
+            <a:pPr lvl="1"/>
+            <a:r>
+              <a:rPr lang="en-US" altLang="ja-JP" dirty="0"/>
+              <a:t>Next Sentence Prediction(NSP)</a:t>
+            </a:r>
+            <a:r>
+              <a:rPr lang="ja-JP" altLang="en-US"/>
+              <a:t>の廃止</a:t>
             </a:r>
             <a:endParaRPr lang="en-US" altLang="ja-JP" dirty="0"/>
           </a:p>
           <a:p>
-            <a:pPr lvl="2"/>
-            <a:r>
-              <a:rPr lang="ja-JP" altLang="en-US" dirty="0"/>
-              <a:t>文書分類に準ずるタスク</a:t>
+            <a:pPr lvl="1"/>
+            <a:r>
+              <a:rPr lang="en-US" altLang="ja-JP" dirty="0"/>
+              <a:t>Mini-batch </a:t>
+            </a:r>
+            <a:r>
+              <a:rPr lang="ja-JP" altLang="en-US"/>
+              <a:t>の大型化</a:t>
             </a:r>
             <a:endParaRPr lang="en-US" altLang="ja-JP" dirty="0"/>
           </a:p>
           <a:p>
-            <a:pPr lvl="2"/>
-            <a:endParaRPr lang="en-US" dirty="0"/>
-          </a:p>
-          <a:p>
-            <a:r>
-              <a:rPr lang="ja-JP" altLang="en-US" dirty="0"/>
-              <a:t>知能レベルが高い文章：</a:t>
+            <a:pPr lvl="1"/>
+            <a:r>
+              <a:rPr lang="en-US" altLang="ja-JP" dirty="0"/>
+              <a:t>Byte-Pair Encoding(BPE) </a:t>
+            </a:r>
+            <a:r>
+              <a:rPr lang="ja-JP" altLang="en-US"/>
+              <a:t>のバイト量増加</a:t>
             </a:r>
             <a:endParaRPr lang="en-US" altLang="ja-JP" dirty="0"/>
           </a:p>
           <a:p>
+            <a:endParaRPr lang="en-US" altLang="ja-JP" dirty="0"/>
+          </a:p>
+          <a:p>
             <a:pPr lvl="1"/>
-            <a:r>
-              <a:rPr lang="ja-JP" altLang="en-US" dirty="0"/>
-              <a:t>語彙の豊富さ</a:t>
-            </a:r>
             <a:endParaRPr lang="en-US" altLang="ja-JP" dirty="0"/>
           </a:p>
           <a:p>
             <a:pPr lvl="1"/>
-            <a:r>
-              <a:rPr lang="ja-JP" altLang="en-US" dirty="0"/>
-              <a:t>文脈・文法を遵守</a:t>
-            </a:r>
-            <a:endParaRPr lang="en-US" dirty="0"/>
-          </a:p>
-          <a:p>
-            <a:pPr lvl="2"/>
-            <a:endParaRPr lang="en-US" dirty="0"/>
-          </a:p>
-          <a:p>
-            <a:r>
-              <a:rPr lang="en-US" altLang="ja-JP" dirty="0"/>
-              <a:t>Encoder</a:t>
-            </a:r>
-            <a:r>
-              <a:rPr lang="ja-JP" altLang="en-US" dirty="0"/>
-              <a:t>によって得られた意味ベクトルを特徴空間にプロット</a:t>
-            </a:r>
             <a:endParaRPr lang="en-US" altLang="ja-JP" dirty="0"/>
-          </a:p>
-          <a:p>
-            <a:pPr lvl="1"/>
-            <a:r>
-              <a:rPr lang="ja-JP" altLang="en-US" dirty="0"/>
-              <a:t>知能レベルに準じてラベル付けした文章で</a:t>
-            </a:r>
-            <a:r>
-              <a:rPr lang="en-US" altLang="ja-JP" dirty="0"/>
-              <a:t>fine-tuning</a:t>
-            </a:r>
-          </a:p>
-          <a:p>
-            <a:pPr lvl="1"/>
-            <a:r>
-              <a:rPr lang="ja-JP" altLang="en-US" dirty="0"/>
-              <a:t>意味ベクトルがどちらの特徴により近いかで採点</a:t>
-            </a:r>
-            <a:endParaRPr dirty="0"/>
           </a:p>
         </p:txBody>
       </p:sp>
     </p:spTree>
     <p:extLst>
       <p:ext uri="{BB962C8B-B14F-4D97-AF65-F5344CB8AC3E}">
-        <p14:creationId xmlns:p14="http://schemas.microsoft.com/office/powerpoint/2010/main" val="3686517346"/>
+        <p14:creationId xmlns:p14="http://schemas.microsoft.com/office/powerpoint/2010/main" val="303886438"/>
       </p:ext>
     </p:extLst>
   </p:cSld>
@@ -3789,12 +4880,14 @@
           </a:prstGeom>
         </p:spPr>
         <p:txBody>
-          <a:bodyPr/>
+          <a:bodyPr>
+            <a:normAutofit/>
+          </a:bodyPr>
           <a:lstStyle/>
           <a:p>
             <a:r>
-              <a:rPr lang="ja-JP" altLang="en-US" dirty="0"/>
-              <a:t>実行結果</a:t>
+              <a:rPr lang="en-US" altLang="ja-JP" dirty="0"/>
+              <a:t>Dynamic masking</a:t>
             </a:r>
             <a:endParaRPr dirty="0"/>
           </a:p>
@@ -3812,8 +4905,8 @@
         </p:nvSpPr>
         <p:spPr>
           <a:xfrm>
-            <a:off x="587506" y="1836909"/>
-            <a:ext cx="23796494" cy="11747607"/>
+            <a:off x="515730" y="1901389"/>
+            <a:ext cx="23796494" cy="5642412"/>
           </a:xfrm>
           <a:prstGeom prst="rect">
             <a:avLst/>
@@ -3824,17 +4917,733 @@
           <a:lstStyle/>
           <a:p>
             <a:r>
-              <a:rPr lang="ja-JP" altLang="en-US" dirty="0"/>
-              <a:t>パラメータ</a:t>
+              <a:rPr lang="en-US" altLang="ja-JP" dirty="0"/>
+              <a:t>Static Masking</a:t>
+            </a:r>
+            <a:r>
+              <a:rPr lang="ja-JP" altLang="en-US"/>
+              <a:t>（従来モデル）：</a:t>
+            </a:r>
+            <a:endParaRPr lang="en-US" altLang="ja-JP" dirty="0"/>
+          </a:p>
+          <a:p>
+            <a:pPr lvl="1"/>
+            <a:r>
+              <a:rPr lang="ja-JP" altLang="en-US"/>
+              <a:t>文章の</a:t>
+            </a:r>
+            <a:r>
+              <a:rPr lang="en-US" altLang="ja-JP" dirty="0"/>
+              <a:t>[MASK]</a:t>
+            </a:r>
+            <a:r>
+              <a:rPr lang="ja-JP" altLang="en-US"/>
+              <a:t>を</a:t>
+            </a:r>
+            <a:r>
+              <a:rPr lang="en-US" altLang="ja-JP" dirty="0"/>
+              <a:t>10</a:t>
+            </a:r>
+            <a:r>
+              <a:rPr lang="ja-JP" altLang="en-US"/>
+              <a:t>種用意，</a:t>
+            </a:r>
+            <a:r>
+              <a:rPr lang="en-US" altLang="ja-JP" dirty="0"/>
+              <a:t>40epoch</a:t>
+            </a:r>
+            <a:r>
+              <a:rPr lang="ja-JP" altLang="en-US"/>
+              <a:t>学習</a:t>
+            </a:r>
+            <a:endParaRPr lang="en-US" altLang="ja-JP" dirty="0"/>
+          </a:p>
+          <a:p>
+            <a:pPr lvl="1"/>
+            <a:r>
+              <a:rPr lang="ja-JP" altLang="en-US"/>
+              <a:t>同じ</a:t>
+            </a:r>
+            <a:r>
+              <a:rPr lang="en-US" altLang="ja-JP" dirty="0"/>
+              <a:t>[MASK]</a:t>
+            </a:r>
+            <a:r>
+              <a:rPr lang="ja-JP" altLang="en-US"/>
+              <a:t>された文章を複数回学習</a:t>
+            </a:r>
+            <a:endParaRPr lang="en-US" altLang="ja-JP" dirty="0"/>
+          </a:p>
+          <a:p>
+            <a:pPr lvl="1"/>
+            <a:endParaRPr lang="en-US" altLang="ja-JP" dirty="0"/>
+          </a:p>
+          <a:p>
+            <a:r>
+              <a:rPr lang="en-US" altLang="ja-JP" dirty="0" err="1"/>
+              <a:t>Dynamik</a:t>
+            </a:r>
+            <a:r>
+              <a:rPr lang="en-US" altLang="ja-JP" dirty="0"/>
+              <a:t> Masking</a:t>
+            </a:r>
+            <a:r>
+              <a:rPr lang="ja-JP" altLang="en-US"/>
+              <a:t>：</a:t>
+            </a:r>
+            <a:endParaRPr lang="en-US" altLang="ja-JP" dirty="0"/>
+          </a:p>
+          <a:p>
+            <a:pPr lvl="1"/>
+            <a:r>
+              <a:rPr lang="ja-JP" altLang="en-US"/>
+              <a:t>文章の</a:t>
+            </a:r>
+            <a:r>
+              <a:rPr lang="en-US" altLang="ja-JP" dirty="0"/>
+              <a:t>[MASK]</a:t>
+            </a:r>
+            <a:r>
+              <a:rPr lang="ja-JP" altLang="en-US"/>
+              <a:t>を</a:t>
+            </a:r>
+            <a:r>
+              <a:rPr lang="en-US" altLang="ja-JP" dirty="0"/>
+              <a:t>1epoch</a:t>
+            </a:r>
+            <a:r>
+              <a:rPr lang="ja-JP" altLang="en-US"/>
+              <a:t>ごとに生成</a:t>
+            </a:r>
+            <a:endParaRPr lang="en-US" altLang="ja-JP" dirty="0"/>
+          </a:p>
+          <a:p>
+            <a:pPr lvl="1"/>
+            <a:r>
+              <a:rPr lang="ja-JP" altLang="en-US"/>
+              <a:t>毎回違う</a:t>
+            </a:r>
+            <a:r>
+              <a:rPr lang="en-US" altLang="ja-JP" dirty="0"/>
+              <a:t>[MASK]</a:t>
+            </a:r>
+            <a:r>
+              <a:rPr lang="ja-JP" altLang="en-US"/>
+              <a:t>文章で学習</a:t>
             </a:r>
             <a:endParaRPr lang="en-US" altLang="ja-JP" dirty="0"/>
           </a:p>
         </p:txBody>
       </p:sp>
+      <p:graphicFrame>
+        <p:nvGraphicFramePr>
+          <p:cNvPr id="29" name="表 29">
+            <a:extLst>
+              <a:ext uri="{FF2B5EF4-FFF2-40B4-BE49-F238E27FC236}">
+                <a16:creationId xmlns:a16="http://schemas.microsoft.com/office/drawing/2014/main" id="{E53C8BCC-562D-AA5A-B132-84552CF52F4D}"/>
+              </a:ext>
+            </a:extLst>
+          </p:cNvPr>
+          <p:cNvGraphicFramePr>
+            <a:graphicFrameLocks noGrp="1"/>
+          </p:cNvGraphicFramePr>
+          <p:nvPr>
+            <p:extLst>
+              <p:ext uri="{D42A27DB-BD31-4B8C-83A1-F6EECF244321}">
+                <p14:modId xmlns:p14="http://schemas.microsoft.com/office/powerpoint/2010/main" val="3484909839"/>
+              </p:ext>
+            </p:extLst>
+          </p:nvPr>
+        </p:nvGraphicFramePr>
+        <p:xfrm>
+          <a:off x="2144930" y="8983133"/>
+          <a:ext cx="20094140" cy="3289830"/>
+        </p:xfrm>
+        <a:graphic>
+          <a:graphicData uri="http://schemas.openxmlformats.org/drawingml/2006/table">
+            <a:tbl>
+              <a:tblPr firstRow="1" bandRow="1">
+                <a:tableStyleId>{5940675A-B579-460E-94D1-54222C63F5DA}</a:tableStyleId>
+              </a:tblPr>
+              <a:tblGrid>
+                <a:gridCol w="5023535">
+                  <a:extLst>
+                    <a:ext uri="{9D8B030D-6E8A-4147-A177-3AD203B41FA5}">
+                      <a16:colId xmlns:a16="http://schemas.microsoft.com/office/drawing/2014/main" val="3528177810"/>
+                    </a:ext>
+                  </a:extLst>
+                </a:gridCol>
+                <a:gridCol w="5023535">
+                  <a:extLst>
+                    <a:ext uri="{9D8B030D-6E8A-4147-A177-3AD203B41FA5}">
+                      <a16:colId xmlns:a16="http://schemas.microsoft.com/office/drawing/2014/main" val="3140769141"/>
+                    </a:ext>
+                  </a:extLst>
+                </a:gridCol>
+                <a:gridCol w="5023535">
+                  <a:extLst>
+                    <a:ext uri="{9D8B030D-6E8A-4147-A177-3AD203B41FA5}">
+                      <a16:colId xmlns:a16="http://schemas.microsoft.com/office/drawing/2014/main" val="1325207016"/>
+                    </a:ext>
+                  </a:extLst>
+                </a:gridCol>
+                <a:gridCol w="5023535">
+                  <a:extLst>
+                    <a:ext uri="{9D8B030D-6E8A-4147-A177-3AD203B41FA5}">
+                      <a16:colId xmlns:a16="http://schemas.microsoft.com/office/drawing/2014/main" val="1341453767"/>
+                    </a:ext>
+                  </a:extLst>
+                </a:gridCol>
+              </a:tblGrid>
+              <a:tr h="1096610">
+                <a:tc>
+                  <a:txBody>
+                    <a:bodyPr/>
+                    <a:lstStyle/>
+                    <a:p>
+                      <a:r>
+                        <a:rPr kumimoji="1" lang="en-US" altLang="ja-JP" sz="4000" dirty="0"/>
+                        <a:t>Masking</a:t>
+                      </a:r>
+                      <a:endParaRPr kumimoji="1" lang="ja-JP" altLang="en-US" sz="4000"/>
+                    </a:p>
+                  </a:txBody>
+                  <a:tcPr marL="113651" marR="113651" marT="56826" marB="56826" anchor="ctr">
+                    <a:lnL w="12700" cmpd="sng">
+                      <a:noFill/>
+                    </a:lnL>
+                    <a:lnR w="12700" cmpd="sng">
+                      <a:noFill/>
+                    </a:lnR>
+                    <a:lnT w="38100" cap="flat" cmpd="sng" algn="ctr">
+                      <a:solidFill>
+                        <a:schemeClr val="tx1"/>
+                      </a:solidFill>
+                      <a:prstDash val="solid"/>
+                      <a:round/>
+                      <a:headEnd type="none" w="med" len="med"/>
+                      <a:tailEnd type="none" w="med" len="med"/>
+                    </a:lnT>
+                    <a:lnB w="38100" cap="flat" cmpd="sng" algn="ctr">
+                      <a:solidFill>
+                        <a:schemeClr val="tx1"/>
+                      </a:solidFill>
+                      <a:prstDash val="solid"/>
+                      <a:round/>
+                      <a:headEnd type="none" w="med" len="med"/>
+                      <a:tailEnd type="none" w="med" len="med"/>
+                    </a:lnB>
+                    <a:lnTlToBr w="12700" cmpd="sng">
+                      <a:noFill/>
+                      <a:prstDash val="solid"/>
+                    </a:lnTlToBr>
+                    <a:lnBlToTr w="12700" cmpd="sng">
+                      <a:noFill/>
+                      <a:prstDash val="solid"/>
+                    </a:lnBlToTr>
+                  </a:tcPr>
+                </a:tc>
+                <a:tc>
+                  <a:txBody>
+                    <a:bodyPr/>
+                    <a:lstStyle/>
+                    <a:p>
+                      <a:r>
+                        <a:rPr kumimoji="1" lang="en-US" altLang="ja-JP" sz="4000" dirty="0" err="1"/>
+                        <a:t>SQuAD</a:t>
+                      </a:r>
+                      <a:r>
+                        <a:rPr kumimoji="1" lang="en-US" altLang="ja-JP" sz="4000" dirty="0"/>
+                        <a:t> 2.0</a:t>
+                      </a:r>
+                      <a:endParaRPr kumimoji="1" lang="ja-JP" altLang="en-US" sz="4000"/>
+                    </a:p>
+                  </a:txBody>
+                  <a:tcPr marL="113651" marR="113651" marT="56826" marB="56826" anchor="ctr">
+                    <a:lnL w="12700" cmpd="sng">
+                      <a:noFill/>
+                    </a:lnL>
+                    <a:lnR w="12700" cmpd="sng">
+                      <a:noFill/>
+                    </a:lnR>
+                    <a:lnT w="38100" cap="flat" cmpd="sng" algn="ctr">
+                      <a:solidFill>
+                        <a:schemeClr val="tx1"/>
+                      </a:solidFill>
+                      <a:prstDash val="solid"/>
+                      <a:round/>
+                      <a:headEnd type="none" w="med" len="med"/>
+                      <a:tailEnd type="none" w="med" len="med"/>
+                    </a:lnT>
+                    <a:lnB w="38100" cap="flat" cmpd="sng" algn="ctr">
+                      <a:solidFill>
+                        <a:schemeClr val="tx1"/>
+                      </a:solidFill>
+                      <a:prstDash val="solid"/>
+                      <a:round/>
+                      <a:headEnd type="none" w="med" len="med"/>
+                      <a:tailEnd type="none" w="med" len="med"/>
+                    </a:lnB>
+                    <a:lnTlToBr w="12700" cmpd="sng">
+                      <a:noFill/>
+                      <a:prstDash val="solid"/>
+                    </a:lnTlToBr>
+                    <a:lnBlToTr w="12700" cmpd="sng">
+                      <a:noFill/>
+                      <a:prstDash val="solid"/>
+                    </a:lnBlToTr>
+                  </a:tcPr>
+                </a:tc>
+                <a:tc>
+                  <a:txBody>
+                    <a:bodyPr/>
+                    <a:lstStyle/>
+                    <a:p>
+                      <a:r>
+                        <a:rPr kumimoji="1" lang="en-US" altLang="ja-JP" sz="4000" dirty="0"/>
+                        <a:t>MNLI-m</a:t>
+                      </a:r>
+                      <a:endParaRPr kumimoji="1" lang="ja-JP" altLang="en-US" sz="4000"/>
+                    </a:p>
+                  </a:txBody>
+                  <a:tcPr marL="113651" marR="113651" marT="56826" marB="56826" anchor="ctr">
+                    <a:lnL w="12700" cmpd="sng">
+                      <a:noFill/>
+                    </a:lnL>
+                    <a:lnR w="12700" cmpd="sng">
+                      <a:noFill/>
+                    </a:lnR>
+                    <a:lnT w="38100" cap="flat" cmpd="sng" algn="ctr">
+                      <a:solidFill>
+                        <a:schemeClr val="tx1"/>
+                      </a:solidFill>
+                      <a:prstDash val="solid"/>
+                      <a:round/>
+                      <a:headEnd type="none" w="med" len="med"/>
+                      <a:tailEnd type="none" w="med" len="med"/>
+                    </a:lnT>
+                    <a:lnB w="38100" cap="flat" cmpd="sng" algn="ctr">
+                      <a:solidFill>
+                        <a:schemeClr val="tx1"/>
+                      </a:solidFill>
+                      <a:prstDash val="solid"/>
+                      <a:round/>
+                      <a:headEnd type="none" w="med" len="med"/>
+                      <a:tailEnd type="none" w="med" len="med"/>
+                    </a:lnB>
+                    <a:lnTlToBr w="12700" cmpd="sng">
+                      <a:noFill/>
+                      <a:prstDash val="solid"/>
+                    </a:lnTlToBr>
+                    <a:lnBlToTr w="12700" cmpd="sng">
+                      <a:noFill/>
+                      <a:prstDash val="solid"/>
+                    </a:lnBlToTr>
+                  </a:tcPr>
+                </a:tc>
+                <a:tc>
+                  <a:txBody>
+                    <a:bodyPr/>
+                    <a:lstStyle/>
+                    <a:p>
+                      <a:r>
+                        <a:rPr kumimoji="1" lang="en-US" altLang="ja-JP" sz="4000" dirty="0"/>
+                        <a:t>SSt-2</a:t>
+                      </a:r>
+                      <a:endParaRPr kumimoji="1" lang="ja-JP" altLang="en-US" sz="4000"/>
+                    </a:p>
+                  </a:txBody>
+                  <a:tcPr marL="113651" marR="113651" marT="56826" marB="56826" anchor="ctr">
+                    <a:lnL w="12700" cmpd="sng">
+                      <a:noFill/>
+                    </a:lnL>
+                    <a:lnR w="12700" cmpd="sng">
+                      <a:noFill/>
+                    </a:lnR>
+                    <a:lnT w="38100" cap="flat" cmpd="sng" algn="ctr">
+                      <a:solidFill>
+                        <a:schemeClr val="tx1"/>
+                      </a:solidFill>
+                      <a:prstDash val="solid"/>
+                      <a:round/>
+                      <a:headEnd type="none" w="med" len="med"/>
+                      <a:tailEnd type="none" w="med" len="med"/>
+                    </a:lnT>
+                    <a:lnB w="38100" cap="flat" cmpd="sng" algn="ctr">
+                      <a:solidFill>
+                        <a:schemeClr val="tx1"/>
+                      </a:solidFill>
+                      <a:prstDash val="solid"/>
+                      <a:round/>
+                      <a:headEnd type="none" w="med" len="med"/>
+                      <a:tailEnd type="none" w="med" len="med"/>
+                    </a:lnB>
+                    <a:lnTlToBr w="12700" cmpd="sng">
+                      <a:noFill/>
+                      <a:prstDash val="solid"/>
+                    </a:lnTlToBr>
+                    <a:lnBlToTr w="12700" cmpd="sng">
+                      <a:noFill/>
+                      <a:prstDash val="solid"/>
+                    </a:lnBlToTr>
+                  </a:tcPr>
+                </a:tc>
+                <a:extLst>
+                  <a:ext uri="{0D108BD9-81ED-4DB2-BD59-A6C34878D82A}">
+                    <a16:rowId xmlns:a16="http://schemas.microsoft.com/office/drawing/2014/main" val="4220469111"/>
+                  </a:ext>
+                </a:extLst>
+              </a:tr>
+              <a:tr h="1096610">
+                <a:tc>
+                  <a:txBody>
+                    <a:bodyPr/>
+                    <a:lstStyle/>
+                    <a:p>
+                      <a:r>
+                        <a:rPr kumimoji="1" lang="en-US" altLang="ja-JP" sz="4000" dirty="0"/>
+                        <a:t>Static</a:t>
+                      </a:r>
+                      <a:endParaRPr kumimoji="1" lang="ja-JP" altLang="en-US" sz="4000"/>
+                    </a:p>
+                  </a:txBody>
+                  <a:tcPr marL="113651" marR="113651" marT="56826" marB="56826" anchor="ctr">
+                    <a:lnL w="12700" cmpd="sng">
+                      <a:noFill/>
+                    </a:lnL>
+                    <a:lnR w="12700" cmpd="sng">
+                      <a:noFill/>
+                    </a:lnR>
+                    <a:lnT w="38100" cap="flat" cmpd="sng" algn="ctr">
+                      <a:solidFill>
+                        <a:schemeClr val="tx1"/>
+                      </a:solidFill>
+                      <a:prstDash val="solid"/>
+                      <a:round/>
+                      <a:headEnd type="none" w="med" len="med"/>
+                      <a:tailEnd type="none" w="med" len="med"/>
+                    </a:lnT>
+                    <a:lnB w="12700" cmpd="sng">
+                      <a:noFill/>
+                    </a:lnB>
+                    <a:lnTlToBr w="12700" cmpd="sng">
+                      <a:noFill/>
+                      <a:prstDash val="solid"/>
+                    </a:lnTlToBr>
+                    <a:lnBlToTr w="12700" cmpd="sng">
+                      <a:noFill/>
+                      <a:prstDash val="solid"/>
+                    </a:lnBlToTr>
+                  </a:tcPr>
+                </a:tc>
+                <a:tc>
+                  <a:txBody>
+                    <a:bodyPr/>
+                    <a:lstStyle/>
+                    <a:p>
+                      <a:r>
+                        <a:rPr kumimoji="1" lang="en-US" altLang="ja-JP" sz="4000" dirty="0"/>
+                        <a:t>78.3</a:t>
+                      </a:r>
+                      <a:endParaRPr kumimoji="1" lang="ja-JP" altLang="en-US" sz="4000"/>
+                    </a:p>
+                  </a:txBody>
+                  <a:tcPr marL="113651" marR="113651" marT="56826" marB="56826" anchor="ctr">
+                    <a:lnL w="12700" cmpd="sng">
+                      <a:noFill/>
+                    </a:lnL>
+                    <a:lnR w="12700" cmpd="sng">
+                      <a:noFill/>
+                    </a:lnR>
+                    <a:lnT w="38100" cap="flat" cmpd="sng" algn="ctr">
+                      <a:solidFill>
+                        <a:schemeClr val="tx1"/>
+                      </a:solidFill>
+                      <a:prstDash val="solid"/>
+                      <a:round/>
+                      <a:headEnd type="none" w="med" len="med"/>
+                      <a:tailEnd type="none" w="med" len="med"/>
+                    </a:lnT>
+                    <a:lnB w="12700" cmpd="sng">
+                      <a:noFill/>
+                    </a:lnB>
+                    <a:lnTlToBr w="12700" cmpd="sng">
+                      <a:noFill/>
+                      <a:prstDash val="solid"/>
+                    </a:lnTlToBr>
+                    <a:lnBlToTr w="12700" cmpd="sng">
+                      <a:noFill/>
+                      <a:prstDash val="solid"/>
+                    </a:lnBlToTr>
+                  </a:tcPr>
+                </a:tc>
+                <a:tc>
+                  <a:txBody>
+                    <a:bodyPr/>
+                    <a:lstStyle/>
+                    <a:p>
+                      <a:r>
+                        <a:rPr kumimoji="1" lang="en-US" altLang="ja-JP" sz="4000" dirty="0"/>
+                        <a:t>84.3</a:t>
+                      </a:r>
+                      <a:endParaRPr kumimoji="1" lang="ja-JP" altLang="en-US" sz="4000"/>
+                    </a:p>
+                  </a:txBody>
+                  <a:tcPr marL="113651" marR="113651" marT="56826" marB="56826" anchor="ctr">
+                    <a:lnL w="12700" cmpd="sng">
+                      <a:noFill/>
+                    </a:lnL>
+                    <a:lnR w="12700" cmpd="sng">
+                      <a:noFill/>
+                    </a:lnR>
+                    <a:lnT w="38100" cap="flat" cmpd="sng" algn="ctr">
+                      <a:solidFill>
+                        <a:schemeClr val="tx1"/>
+                      </a:solidFill>
+                      <a:prstDash val="solid"/>
+                      <a:round/>
+                      <a:headEnd type="none" w="med" len="med"/>
+                      <a:tailEnd type="none" w="med" len="med"/>
+                    </a:lnT>
+                    <a:lnB w="12700" cmpd="sng">
+                      <a:noFill/>
+                    </a:lnB>
+                    <a:lnTlToBr w="12700" cmpd="sng">
+                      <a:noFill/>
+                      <a:prstDash val="solid"/>
+                    </a:lnTlToBr>
+                    <a:lnBlToTr w="12700" cmpd="sng">
+                      <a:noFill/>
+                      <a:prstDash val="solid"/>
+                    </a:lnBlToTr>
+                  </a:tcPr>
+                </a:tc>
+                <a:tc>
+                  <a:txBody>
+                    <a:bodyPr/>
+                    <a:lstStyle/>
+                    <a:p>
+                      <a:r>
+                        <a:rPr kumimoji="1" lang="en-US" altLang="ja-JP" sz="4000" dirty="0"/>
+                        <a:t>92.5</a:t>
+                      </a:r>
+                      <a:endParaRPr kumimoji="1" lang="ja-JP" altLang="en-US" sz="4000"/>
+                    </a:p>
+                  </a:txBody>
+                  <a:tcPr marL="113651" marR="113651" marT="56826" marB="56826" anchor="ctr">
+                    <a:lnL w="12700" cmpd="sng">
+                      <a:noFill/>
+                    </a:lnL>
+                    <a:lnR w="12700" cmpd="sng">
+                      <a:noFill/>
+                    </a:lnR>
+                    <a:lnT w="38100" cap="flat" cmpd="sng" algn="ctr">
+                      <a:solidFill>
+                        <a:schemeClr val="tx1"/>
+                      </a:solidFill>
+                      <a:prstDash val="solid"/>
+                      <a:round/>
+                      <a:headEnd type="none" w="med" len="med"/>
+                      <a:tailEnd type="none" w="med" len="med"/>
+                    </a:lnT>
+                    <a:lnB w="12700" cmpd="sng">
+                      <a:noFill/>
+                    </a:lnB>
+                    <a:lnTlToBr w="12700" cmpd="sng">
+                      <a:noFill/>
+                      <a:prstDash val="solid"/>
+                    </a:lnTlToBr>
+                    <a:lnBlToTr w="12700" cmpd="sng">
+                      <a:noFill/>
+                      <a:prstDash val="solid"/>
+                    </a:lnBlToTr>
+                  </a:tcPr>
+                </a:tc>
+                <a:extLst>
+                  <a:ext uri="{0D108BD9-81ED-4DB2-BD59-A6C34878D82A}">
+                    <a16:rowId xmlns:a16="http://schemas.microsoft.com/office/drawing/2014/main" val="1184972945"/>
+                  </a:ext>
+                </a:extLst>
+              </a:tr>
+              <a:tr h="1096610">
+                <a:tc>
+                  <a:txBody>
+                    <a:bodyPr/>
+                    <a:lstStyle/>
+                    <a:p>
+                      <a:r>
+                        <a:rPr kumimoji="1" lang="en-US" altLang="ja-JP" sz="4000" dirty="0"/>
+                        <a:t>Dynamic</a:t>
+                      </a:r>
+                      <a:endParaRPr kumimoji="1" lang="ja-JP" altLang="en-US" sz="4000"/>
+                    </a:p>
+                  </a:txBody>
+                  <a:tcPr marL="113651" marR="113651" marT="56826" marB="56826" anchor="ctr">
+                    <a:lnL w="12700" cmpd="sng">
+                      <a:noFill/>
+                    </a:lnL>
+                    <a:lnR w="12700" cmpd="sng">
+                      <a:noFill/>
+                    </a:lnR>
+                    <a:lnT w="12700" cmpd="sng">
+                      <a:noFill/>
+                    </a:lnT>
+                    <a:lnB w="38100" cap="flat" cmpd="sng" algn="ctr">
+                      <a:solidFill>
+                        <a:schemeClr val="tx1"/>
+                      </a:solidFill>
+                      <a:prstDash val="solid"/>
+                      <a:round/>
+                      <a:headEnd type="none" w="med" len="med"/>
+                      <a:tailEnd type="none" w="med" len="med"/>
+                    </a:lnB>
+                    <a:lnTlToBr w="12700" cmpd="sng">
+                      <a:noFill/>
+                      <a:prstDash val="solid"/>
+                    </a:lnTlToBr>
+                    <a:lnBlToTr w="12700" cmpd="sng">
+                      <a:noFill/>
+                      <a:prstDash val="solid"/>
+                    </a:lnBlToTr>
+                  </a:tcPr>
+                </a:tc>
+                <a:tc>
+                  <a:txBody>
+                    <a:bodyPr/>
+                    <a:lstStyle/>
+                    <a:p>
+                      <a:r>
+                        <a:rPr kumimoji="1" lang="en-US" altLang="ja-JP" sz="4000" dirty="0"/>
+                        <a:t>78.7</a:t>
+                      </a:r>
+                      <a:endParaRPr kumimoji="1" lang="ja-JP" altLang="en-US" sz="4000"/>
+                    </a:p>
+                  </a:txBody>
+                  <a:tcPr marL="113651" marR="113651" marT="56826" marB="56826" anchor="ctr">
+                    <a:lnL w="12700" cmpd="sng">
+                      <a:noFill/>
+                    </a:lnL>
+                    <a:lnR w="12700" cmpd="sng">
+                      <a:noFill/>
+                    </a:lnR>
+                    <a:lnT w="12700" cmpd="sng">
+                      <a:noFill/>
+                    </a:lnT>
+                    <a:lnB w="38100" cap="flat" cmpd="sng" algn="ctr">
+                      <a:solidFill>
+                        <a:schemeClr val="tx1"/>
+                      </a:solidFill>
+                      <a:prstDash val="solid"/>
+                      <a:round/>
+                      <a:headEnd type="none" w="med" len="med"/>
+                      <a:tailEnd type="none" w="med" len="med"/>
+                    </a:lnB>
+                    <a:lnTlToBr w="12700" cmpd="sng">
+                      <a:noFill/>
+                      <a:prstDash val="solid"/>
+                    </a:lnTlToBr>
+                    <a:lnBlToTr w="12700" cmpd="sng">
+                      <a:noFill/>
+                      <a:prstDash val="solid"/>
+                    </a:lnBlToTr>
+                  </a:tcPr>
+                </a:tc>
+                <a:tc>
+                  <a:txBody>
+                    <a:bodyPr/>
+                    <a:lstStyle/>
+                    <a:p>
+                      <a:r>
+                        <a:rPr kumimoji="1" lang="en-US" altLang="ja-JP" sz="4000" dirty="0"/>
+                        <a:t>84.0</a:t>
+                      </a:r>
+                      <a:endParaRPr kumimoji="1" lang="ja-JP" altLang="en-US" sz="4000"/>
+                    </a:p>
+                  </a:txBody>
+                  <a:tcPr marL="113651" marR="113651" marT="56826" marB="56826" anchor="ctr">
+                    <a:lnL w="12700" cmpd="sng">
+                      <a:noFill/>
+                    </a:lnL>
+                    <a:lnR w="12700" cmpd="sng">
+                      <a:noFill/>
+                    </a:lnR>
+                    <a:lnT w="12700" cmpd="sng">
+                      <a:noFill/>
+                    </a:lnT>
+                    <a:lnB w="38100" cap="flat" cmpd="sng" algn="ctr">
+                      <a:solidFill>
+                        <a:schemeClr val="tx1"/>
+                      </a:solidFill>
+                      <a:prstDash val="solid"/>
+                      <a:round/>
+                      <a:headEnd type="none" w="med" len="med"/>
+                      <a:tailEnd type="none" w="med" len="med"/>
+                    </a:lnB>
+                    <a:lnTlToBr w="12700" cmpd="sng">
+                      <a:noFill/>
+                      <a:prstDash val="solid"/>
+                    </a:lnTlToBr>
+                    <a:lnBlToTr w="12700" cmpd="sng">
+                      <a:noFill/>
+                      <a:prstDash val="solid"/>
+                    </a:lnBlToTr>
+                  </a:tcPr>
+                </a:tc>
+                <a:tc>
+                  <a:txBody>
+                    <a:bodyPr/>
+                    <a:lstStyle/>
+                    <a:p>
+                      <a:r>
+                        <a:rPr kumimoji="1" lang="en-US" altLang="ja-JP" sz="4000" dirty="0"/>
+                        <a:t>92.9</a:t>
+                      </a:r>
+                      <a:endParaRPr kumimoji="1" lang="ja-JP" altLang="en-US" sz="4000"/>
+                    </a:p>
+                  </a:txBody>
+                  <a:tcPr marL="113651" marR="113651" marT="56826" marB="56826" anchor="ctr">
+                    <a:lnL w="12700" cmpd="sng">
+                      <a:noFill/>
+                    </a:lnL>
+                    <a:lnR w="12700" cmpd="sng">
+                      <a:noFill/>
+                    </a:lnR>
+                    <a:lnT w="12700" cmpd="sng">
+                      <a:noFill/>
+                    </a:lnT>
+                    <a:lnB w="38100" cap="flat" cmpd="sng" algn="ctr">
+                      <a:solidFill>
+                        <a:schemeClr val="tx1"/>
+                      </a:solidFill>
+                      <a:prstDash val="solid"/>
+                      <a:round/>
+                      <a:headEnd type="none" w="med" len="med"/>
+                      <a:tailEnd type="none" w="med" len="med"/>
+                    </a:lnB>
+                    <a:lnTlToBr w="12700" cmpd="sng">
+                      <a:noFill/>
+                      <a:prstDash val="solid"/>
+                    </a:lnTlToBr>
+                    <a:lnBlToTr w="12700" cmpd="sng">
+                      <a:noFill/>
+                      <a:prstDash val="solid"/>
+                    </a:lnBlToTr>
+                  </a:tcPr>
+                </a:tc>
+                <a:extLst>
+                  <a:ext uri="{0D108BD9-81ED-4DB2-BD59-A6C34878D82A}">
+                    <a16:rowId xmlns:a16="http://schemas.microsoft.com/office/drawing/2014/main" val="3206806167"/>
+                  </a:ext>
+                </a:extLst>
+              </a:tr>
+            </a:tbl>
+          </a:graphicData>
+        </a:graphic>
+      </p:graphicFrame>
     </p:spTree>
     <p:extLst>
       <p:ext uri="{BB962C8B-B14F-4D97-AF65-F5344CB8AC3E}">
-        <p14:creationId xmlns:p14="http://schemas.microsoft.com/office/powerpoint/2010/main" val="2099759924"/>
+        <p14:creationId xmlns:p14="http://schemas.microsoft.com/office/powerpoint/2010/main" val="4049203924"/>
       </p:ext>
     </p:extLst>
   </p:cSld>
@@ -3881,11 +5690,16 @@
           <a:bodyPr/>
           <a:lstStyle/>
           <a:p>
+            <a:pPr lvl="1"/>
+            <a:r>
+              <a:rPr lang="en-US" altLang="ja-JP" dirty="0"/>
+              <a:t>Next Sentence Prediction(NSP)</a:t>
+            </a:r>
             <a:r>
               <a:rPr lang="ja-JP" altLang="en-US"/>
-              <a:t>おわりに</a:t>
-            </a:r>
-            <a:endParaRPr dirty="0"/>
+              <a:t>の廃止</a:t>
+            </a:r>
+            <a:endParaRPr lang="en-US" altLang="ja-JP" dirty="0"/>
           </a:p>
         </p:txBody>
       </p:sp>
@@ -3909,75 +5723,1425 @@
           <a:lstStyle/>
           <a:p>
             <a:r>
+              <a:rPr lang="en-US" altLang="ja-JP" dirty="0"/>
+              <a:t>NSP </a:t>
+            </a:r>
+            <a:r>
               <a:rPr lang="ja-JP" altLang="en-US"/>
-              <a:t>研究テーマ</a:t>
+              <a:t>あり</a:t>
+            </a:r>
+            <a:r>
+              <a:rPr lang="en-US" altLang="ja-JP" dirty="0"/>
+              <a:t>/</a:t>
+            </a:r>
+            <a:r>
+              <a:rPr lang="ja-JP" altLang="en-US"/>
+              <a:t>なしで比較した結果，</a:t>
+            </a:r>
+            <a:r>
+              <a:rPr lang="en-US" altLang="ja-JP" dirty="0"/>
+              <a:t>NSP</a:t>
+            </a:r>
+            <a:r>
+              <a:rPr lang="ja-JP" altLang="en-US"/>
+              <a:t>は性能に影響しないことが判明</a:t>
             </a:r>
             <a:endParaRPr lang="en-US" altLang="ja-JP" dirty="0"/>
           </a:p>
           <a:p>
-            <a:r>
-              <a:rPr lang="ja-JP" altLang="en-US"/>
-              <a:t>進捗</a:t>
-            </a:r>
-            <a:endParaRPr lang="en-US" dirty="0"/>
-          </a:p>
-          <a:p>
-            <a:r>
-              <a:rPr lang="en-US" dirty="0"/>
-              <a:t>Transformer</a:t>
-            </a:r>
-          </a:p>
-          <a:p>
-            <a:r>
-              <a:rPr lang="en-US" dirty="0"/>
-              <a:t>BERT</a:t>
-            </a:r>
-          </a:p>
-          <a:p>
-            <a:r>
-              <a:rPr lang="en-US" dirty="0" err="1"/>
-              <a:t>日本語モデルの比較</a:t>
-            </a:r>
-            <a:endParaRPr lang="en-US" dirty="0"/>
-          </a:p>
-          <a:p>
-            <a:endParaRPr lang="en-US" dirty="0"/>
-          </a:p>
-          <a:p>
-            <a:endParaRPr lang="en-US" dirty="0"/>
-          </a:p>
-          <a:p>
-            <a:r>
-              <a:rPr lang="en-US" dirty="0" err="1"/>
-              <a:t>今後の予定</a:t>
-            </a:r>
-            <a:endParaRPr lang="en-US" dirty="0"/>
-          </a:p>
-          <a:p>
-            <a:pPr lvl="1"/>
-            <a:r>
-              <a:rPr lang="en-US" dirty="0" err="1"/>
-              <a:t>NLPに関する調査</a:t>
-            </a:r>
-            <a:endParaRPr lang="en-US" dirty="0"/>
-          </a:p>
-          <a:p>
-            <a:pPr lvl="1"/>
-            <a:r>
-              <a:rPr lang="en-US" dirty="0" err="1"/>
-              <a:t>モデル作成，検証</a:t>
-            </a:r>
-            <a:endParaRPr lang="en-US" dirty="0"/>
-          </a:p>
-          <a:p>
-            <a:endParaRPr dirty="0"/>
+            <a:endParaRPr lang="en-US" altLang="ja-JP" dirty="0"/>
           </a:p>
         </p:txBody>
       </p:sp>
     </p:spTree>
     <p:extLst>
       <p:ext uri="{BB962C8B-B14F-4D97-AF65-F5344CB8AC3E}">
-        <p14:creationId xmlns:p14="http://schemas.microsoft.com/office/powerpoint/2010/main" val="601632635"/>
+        <p14:creationId xmlns:p14="http://schemas.microsoft.com/office/powerpoint/2010/main" val="1348875550"/>
+      </p:ext>
+    </p:extLst>
+  </p:cSld>
+  <p:clrMapOvr>
+    <a:masterClrMapping/>
+  </p:clrMapOvr>
+  <p:transition spd="med"/>
+</p:sld>
+</file>
+
+<file path=ppt/slides/slide8.xml><?xml version="1.0" encoding="utf-8"?>
+<p:sld xmlns:a="http://schemas.openxmlformats.org/drawingml/2006/main" xmlns:r="http://schemas.openxmlformats.org/officeDocument/2006/relationships" xmlns:p="http://schemas.openxmlformats.org/presentationml/2006/main">
+  <p:cSld>
+    <p:spTree>
+      <p:nvGrpSpPr>
+        <p:cNvPr id="1" name=""/>
+        <p:cNvGrpSpPr/>
+        <p:nvPr/>
+      </p:nvGrpSpPr>
+      <p:grpSpPr>
+        <a:xfrm>
+          <a:off x="0" y="0"/>
+          <a:ext cx="0" cy="0"/>
+          <a:chOff x="0" y="0"/>
+          <a:chExt cx="0" cy="0"/>
+        </a:xfrm>
+      </p:grpSpPr>
+      <p:sp>
+        <p:nvSpPr>
+          <p:cNvPr id="89" name="編集エリア"/>
+          <p:cNvSpPr txBox="1">
+            <a:spLocks noGrp="1"/>
+          </p:cNvSpPr>
+          <p:nvPr>
+            <p:ph type="title"/>
+          </p:nvPr>
+        </p:nvSpPr>
+        <p:spPr>
+          <a:prstGeom prst="rect">
+            <a:avLst/>
+          </a:prstGeom>
+        </p:spPr>
+        <p:txBody>
+          <a:bodyPr/>
+          <a:lstStyle/>
+          <a:p>
+            <a:pPr lvl="1"/>
+            <a:r>
+              <a:rPr lang="en-US" altLang="ja-JP" dirty="0"/>
+              <a:t>Mini-batch </a:t>
+            </a:r>
+            <a:r>
+              <a:rPr lang="ja-JP" altLang="en-US"/>
+              <a:t>の大型化</a:t>
+            </a:r>
+            <a:endParaRPr lang="en-US" altLang="ja-JP" dirty="0"/>
+          </a:p>
+        </p:txBody>
+      </p:sp>
+      <p:sp>
+        <p:nvSpPr>
+          <p:cNvPr id="90" name="sample…"/>
+          <p:cNvSpPr txBox="1">
+            <a:spLocks noGrp="1"/>
+          </p:cNvSpPr>
+          <p:nvPr>
+            <p:ph type="body" idx="1"/>
+          </p:nvPr>
+        </p:nvSpPr>
+        <p:spPr>
+          <a:prstGeom prst="rect">
+            <a:avLst/>
+          </a:prstGeom>
+        </p:spPr>
+        <p:txBody>
+          <a:bodyPr/>
+          <a:lstStyle/>
+          <a:p>
+            <a:r>
+              <a:rPr lang="ja-JP" altLang="en-US"/>
+              <a:t>最新のモデル傾向に合わせ，</a:t>
+            </a:r>
+            <a:r>
+              <a:rPr lang="en-US" altLang="ja-JP" dirty="0" err="1"/>
+              <a:t>batch_size</a:t>
+            </a:r>
+            <a:r>
+              <a:rPr lang="ja-JP" altLang="en-US"/>
+              <a:t>を大型化</a:t>
+            </a:r>
+            <a:endParaRPr lang="en-US" altLang="ja-JP" dirty="0"/>
+          </a:p>
+        </p:txBody>
+      </p:sp>
+    </p:spTree>
+    <p:extLst>
+      <p:ext uri="{BB962C8B-B14F-4D97-AF65-F5344CB8AC3E}">
+        <p14:creationId xmlns:p14="http://schemas.microsoft.com/office/powerpoint/2010/main" val="4109747888"/>
+      </p:ext>
+    </p:extLst>
+  </p:cSld>
+  <p:clrMapOvr>
+    <a:masterClrMapping/>
+  </p:clrMapOvr>
+  <p:transition spd="med"/>
+</p:sld>
+</file>
+
+<file path=ppt/slides/slide9.xml><?xml version="1.0" encoding="utf-8"?>
+<p:sld xmlns:a="http://schemas.openxmlformats.org/drawingml/2006/main" xmlns:r="http://schemas.openxmlformats.org/officeDocument/2006/relationships" xmlns:p="http://schemas.openxmlformats.org/presentationml/2006/main">
+  <p:cSld>
+    <p:spTree>
+      <p:nvGrpSpPr>
+        <p:cNvPr id="1" name=""/>
+        <p:cNvGrpSpPr/>
+        <p:nvPr/>
+      </p:nvGrpSpPr>
+      <p:grpSpPr>
+        <a:xfrm>
+          <a:off x="0" y="0"/>
+          <a:ext cx="0" cy="0"/>
+          <a:chOff x="0" y="0"/>
+          <a:chExt cx="0" cy="0"/>
+        </a:xfrm>
+      </p:grpSpPr>
+      <p:sp>
+        <p:nvSpPr>
+          <p:cNvPr id="89" name="編集エリア"/>
+          <p:cNvSpPr txBox="1">
+            <a:spLocks noGrp="1"/>
+          </p:cNvSpPr>
+          <p:nvPr>
+            <p:ph type="title"/>
+          </p:nvPr>
+        </p:nvSpPr>
+        <p:spPr>
+          <a:prstGeom prst="rect">
+            <a:avLst/>
+          </a:prstGeom>
+        </p:spPr>
+        <p:txBody>
+          <a:bodyPr/>
+          <a:lstStyle/>
+          <a:p>
+            <a:pPr lvl="1"/>
+            <a:r>
+              <a:rPr lang="en-US" altLang="ja-JP" dirty="0"/>
+              <a:t>Byte-Pair Encoding(BPE) </a:t>
+            </a:r>
+            <a:r>
+              <a:rPr lang="ja-JP" altLang="en-US"/>
+              <a:t>の</a:t>
+            </a:r>
+            <a:r>
+              <a:rPr lang="en-US" altLang="ja-JP" dirty="0"/>
+              <a:t>byte</a:t>
+            </a:r>
+            <a:r>
+              <a:rPr lang="ja-JP" altLang="en-US"/>
+              <a:t>量増加</a:t>
+            </a:r>
+            <a:endParaRPr lang="en-US" altLang="ja-JP" dirty="0"/>
+          </a:p>
+        </p:txBody>
+      </p:sp>
+      <p:sp>
+        <p:nvSpPr>
+          <p:cNvPr id="90" name="sample…"/>
+          <p:cNvSpPr txBox="1">
+            <a:spLocks noGrp="1"/>
+          </p:cNvSpPr>
+          <p:nvPr>
+            <p:ph type="body" idx="1"/>
+          </p:nvPr>
+        </p:nvSpPr>
+        <p:spPr>
+          <a:xfrm>
+            <a:off x="515730" y="1901389"/>
+            <a:ext cx="23796494" cy="2627750"/>
+          </a:xfrm>
+          <a:prstGeom prst="rect">
+            <a:avLst/>
+          </a:prstGeom>
+        </p:spPr>
+        <p:txBody>
+          <a:bodyPr/>
+          <a:lstStyle/>
+          <a:p>
+            <a:r>
+              <a:rPr lang="en-US" altLang="ja-JP" dirty="0"/>
+              <a:t>Byte-Pair Encoding</a:t>
+            </a:r>
+          </a:p>
+          <a:p>
+            <a:pPr lvl="1"/>
+            <a:r>
+              <a:rPr lang="ja-JP" altLang="en-US"/>
+              <a:t>テキストをトークン化する手法</a:t>
+            </a:r>
+            <a:endParaRPr lang="en-US" altLang="ja-JP" dirty="0"/>
+          </a:p>
+          <a:p>
+            <a:pPr lvl="1"/>
+            <a:r>
+              <a:rPr lang="ja-JP" altLang="en-US"/>
+              <a:t>多く使われているサブワードを結合し，新たなサブワードとして辞書に追加</a:t>
+            </a:r>
+            <a:endParaRPr lang="en-US" altLang="ja-JP" dirty="0"/>
+          </a:p>
+          <a:p>
+            <a:pPr lvl="1"/>
+            <a:endParaRPr lang="en-US" altLang="ja-JP" dirty="0"/>
+          </a:p>
+        </p:txBody>
+      </p:sp>
+      <p:sp>
+        <p:nvSpPr>
+          <p:cNvPr id="3" name="角丸四角形 2">
+            <a:extLst>
+              <a:ext uri="{FF2B5EF4-FFF2-40B4-BE49-F238E27FC236}">
+                <a16:creationId xmlns:a16="http://schemas.microsoft.com/office/drawing/2014/main" id="{64341DC8-A37D-1B93-2DF5-EAFBB1FE57F2}"/>
+              </a:ext>
+            </a:extLst>
+          </p:cNvPr>
+          <p:cNvSpPr/>
+          <p:nvPr/>
+        </p:nvSpPr>
+        <p:spPr>
+          <a:xfrm>
+            <a:off x="5300659" y="7879837"/>
+            <a:ext cx="2657475" cy="3211826"/>
+          </a:xfrm>
+          <a:prstGeom prst="roundRect">
+            <a:avLst/>
+          </a:prstGeom>
+          <a:solidFill>
+            <a:srgbClr val="FFFFFF"/>
+          </a:solidFill>
+          <a:ln w="38100" cap="flat">
+            <a:solidFill>
+              <a:srgbClr val="F89900"/>
+            </a:solidFill>
+            <a:prstDash val="solid"/>
+            <a:round/>
+          </a:ln>
+          <a:effectLst/>
+          <a:sp3d/>
+        </p:spPr>
+        <p:style>
+          <a:lnRef idx="0">
+            <a:scrgbClr r="0" g="0" b="0"/>
+          </a:lnRef>
+          <a:fillRef idx="0">
+            <a:scrgbClr r="0" g="0" b="0"/>
+          </a:fillRef>
+          <a:effectRef idx="0">
+            <a:scrgbClr r="0" g="0" b="0"/>
+          </a:effectRef>
+          <a:fontRef idx="none"/>
+        </p:style>
+        <p:txBody>
+          <a:bodyPr rot="0" spcFirstLastPara="1" vertOverflow="overflow" horzOverflow="overflow" vert="horz" wrap="square" lIns="91438" tIns="91438" rIns="91438" bIns="91438" numCol="1" spcCol="38100" rtlCol="0" anchor="ctr">
+            <a:spAutoFit/>
+          </a:bodyPr>
+          <a:lstStyle/>
+          <a:p>
+            <a:pPr marL="0" marR="0" indent="0" algn="ctr" defTabSz="1828800" rtl="0" fontAlgn="auto" latinLnBrk="0" hangingPunct="0">
+              <a:lnSpc>
+                <a:spcPct val="100000"/>
+              </a:lnSpc>
+              <a:spcBef>
+                <a:spcPts val="0"/>
+              </a:spcBef>
+              <a:spcAft>
+                <a:spcPts val="0"/>
+              </a:spcAft>
+              <a:buClrTx/>
+              <a:buSzTx/>
+              <a:buFontTx/>
+              <a:buNone/>
+              <a:tabLst/>
+            </a:pPr>
+            <a:r>
+              <a:rPr lang="en" altLang="ja-JP" sz="3600" i="0" dirty="0">
+                <a:solidFill>
+                  <a:srgbClr val="08131A"/>
+                </a:solidFill>
+                <a:effectLst/>
+                <a:latin typeface="-apple-system"/>
+              </a:rPr>
+              <a:t>('hug', 10)</a:t>
+            </a:r>
+          </a:p>
+          <a:p>
+            <a:pPr marL="0" marR="0" indent="0" algn="ctr" defTabSz="1828800" rtl="0" fontAlgn="auto" latinLnBrk="0" hangingPunct="0">
+              <a:lnSpc>
+                <a:spcPct val="100000"/>
+              </a:lnSpc>
+              <a:spcBef>
+                <a:spcPts val="0"/>
+              </a:spcBef>
+              <a:spcAft>
+                <a:spcPts val="0"/>
+              </a:spcAft>
+              <a:buClrTx/>
+              <a:buSzTx/>
+              <a:buFontTx/>
+              <a:buNone/>
+              <a:tabLst/>
+            </a:pPr>
+            <a:r>
+              <a:rPr lang="en" altLang="ja-JP" sz="3600" i="0" dirty="0">
+                <a:solidFill>
+                  <a:srgbClr val="08131A"/>
+                </a:solidFill>
+                <a:effectLst/>
+                <a:latin typeface="-apple-system"/>
+              </a:rPr>
+              <a:t> ('pug', 5)</a:t>
+            </a:r>
+          </a:p>
+          <a:p>
+            <a:pPr marL="0" marR="0" indent="0" algn="ctr" defTabSz="1828800" rtl="0" fontAlgn="auto" latinLnBrk="0" hangingPunct="0">
+              <a:lnSpc>
+                <a:spcPct val="100000"/>
+              </a:lnSpc>
+              <a:spcBef>
+                <a:spcPts val="0"/>
+              </a:spcBef>
+              <a:spcAft>
+                <a:spcPts val="0"/>
+              </a:spcAft>
+              <a:buClrTx/>
+              <a:buSzTx/>
+              <a:buFontTx/>
+              <a:buNone/>
+              <a:tabLst/>
+            </a:pPr>
+            <a:r>
+              <a:rPr lang="en" altLang="ja-JP" sz="3600" i="0" dirty="0">
+                <a:solidFill>
+                  <a:srgbClr val="08131A"/>
+                </a:solidFill>
+                <a:effectLst/>
+                <a:latin typeface="-apple-system"/>
+              </a:rPr>
+              <a:t> ('pun', 12)</a:t>
+            </a:r>
+          </a:p>
+          <a:p>
+            <a:pPr marL="0" marR="0" indent="0" algn="ctr" defTabSz="1828800" rtl="0" fontAlgn="auto" latinLnBrk="0" hangingPunct="0">
+              <a:lnSpc>
+                <a:spcPct val="100000"/>
+              </a:lnSpc>
+              <a:spcBef>
+                <a:spcPts val="0"/>
+              </a:spcBef>
+              <a:spcAft>
+                <a:spcPts val="0"/>
+              </a:spcAft>
+              <a:buClrTx/>
+              <a:buSzTx/>
+              <a:buFontTx/>
+              <a:buNone/>
+              <a:tabLst/>
+            </a:pPr>
+            <a:r>
+              <a:rPr lang="en" altLang="ja-JP" sz="3600" i="0" dirty="0">
+                <a:solidFill>
+                  <a:srgbClr val="08131A"/>
+                </a:solidFill>
+                <a:effectLst/>
+                <a:latin typeface="-apple-system"/>
+              </a:rPr>
+              <a:t> ('bun', 4)</a:t>
+            </a:r>
+          </a:p>
+          <a:p>
+            <a:pPr marL="0" marR="0" indent="0" algn="ctr" defTabSz="1828800" rtl="0" fontAlgn="auto" latinLnBrk="0" hangingPunct="0">
+              <a:lnSpc>
+                <a:spcPct val="100000"/>
+              </a:lnSpc>
+              <a:spcBef>
+                <a:spcPts val="0"/>
+              </a:spcBef>
+              <a:spcAft>
+                <a:spcPts val="0"/>
+              </a:spcAft>
+              <a:buClrTx/>
+              <a:buSzTx/>
+              <a:buFontTx/>
+              <a:buNone/>
+              <a:tabLst/>
+            </a:pPr>
+            <a:r>
+              <a:rPr lang="en" altLang="ja-JP" sz="3600" i="0" dirty="0">
+                <a:solidFill>
+                  <a:srgbClr val="08131A"/>
+                </a:solidFill>
+                <a:effectLst/>
+                <a:latin typeface="-apple-system"/>
+              </a:rPr>
+              <a:t> ('hugs', 5)</a:t>
+            </a:r>
+            <a:endParaRPr kumimoji="0" lang="ja-JP" altLang="en-US" sz="3600" i="0" u="none" strike="noStrike" cap="none" spc="0" normalizeH="0" baseline="0">
+              <a:ln>
+                <a:noFill/>
+              </a:ln>
+              <a:solidFill>
+                <a:srgbClr val="000000"/>
+              </a:solidFill>
+              <a:effectLst/>
+              <a:uFillTx/>
+              <a:latin typeface="+mn-lt"/>
+              <a:ea typeface="+mn-ea"/>
+              <a:cs typeface="+mn-cs"/>
+              <a:sym typeface="Arial"/>
+            </a:endParaRPr>
+          </a:p>
+        </p:txBody>
+      </p:sp>
+      <p:sp>
+        <p:nvSpPr>
+          <p:cNvPr id="4" name="角丸四角形 3">
+            <a:extLst>
+              <a:ext uri="{FF2B5EF4-FFF2-40B4-BE49-F238E27FC236}">
+                <a16:creationId xmlns:a16="http://schemas.microsoft.com/office/drawing/2014/main" id="{1E953CB9-1E20-45A6-6511-873B04567F9E}"/>
+              </a:ext>
+            </a:extLst>
+          </p:cNvPr>
+          <p:cNvSpPr/>
+          <p:nvPr/>
+        </p:nvSpPr>
+        <p:spPr>
+          <a:xfrm>
+            <a:off x="9739312" y="7851262"/>
+            <a:ext cx="3862388" cy="3268976"/>
+          </a:xfrm>
+          <a:prstGeom prst="roundRect">
+            <a:avLst/>
+          </a:prstGeom>
+          <a:solidFill>
+            <a:srgbClr val="FFFFFF"/>
+          </a:solidFill>
+          <a:ln w="38100" cap="flat">
+            <a:solidFill>
+              <a:srgbClr val="F89900"/>
+            </a:solidFill>
+            <a:prstDash val="solid"/>
+            <a:round/>
+          </a:ln>
+          <a:effectLst/>
+          <a:sp3d/>
+        </p:spPr>
+        <p:style>
+          <a:lnRef idx="0">
+            <a:scrgbClr r="0" g="0" b="0"/>
+          </a:lnRef>
+          <a:fillRef idx="0">
+            <a:scrgbClr r="0" g="0" b="0"/>
+          </a:fillRef>
+          <a:effectRef idx="0">
+            <a:scrgbClr r="0" g="0" b="0"/>
+          </a:effectRef>
+          <a:fontRef idx="none"/>
+        </p:style>
+        <p:txBody>
+          <a:bodyPr rot="0" spcFirstLastPara="1" vertOverflow="overflow" horzOverflow="overflow" vert="horz" wrap="square" lIns="91438" tIns="91438" rIns="91438" bIns="91438" numCol="1" spcCol="38100" rtlCol="0" anchor="ctr">
+            <a:spAutoFit/>
+          </a:bodyPr>
+          <a:lstStyle/>
+          <a:p>
+            <a:pPr marL="0" marR="0" indent="0" algn="ctr" defTabSz="1828800" rtl="0" fontAlgn="auto" latinLnBrk="0" hangingPunct="0">
+              <a:lnSpc>
+                <a:spcPct val="100000"/>
+              </a:lnSpc>
+              <a:spcBef>
+                <a:spcPts val="0"/>
+              </a:spcBef>
+              <a:spcAft>
+                <a:spcPts val="0"/>
+              </a:spcAft>
+              <a:buClrTx/>
+              <a:buSzTx/>
+              <a:buFontTx/>
+              <a:buNone/>
+              <a:tabLst/>
+            </a:pPr>
+            <a:r>
+              <a:rPr lang="en" altLang="ja-JP" sz="3600" i="0" dirty="0">
+                <a:solidFill>
+                  <a:srgbClr val="08131A"/>
+                </a:solidFill>
+                <a:effectLst/>
+                <a:latin typeface="-apple-system"/>
+              </a:rPr>
+              <a:t>('</a:t>
+            </a:r>
+            <a:r>
+              <a:rPr lang="en" altLang="ja-JP" sz="3600" i="0" dirty="0" err="1">
+                <a:solidFill>
+                  <a:srgbClr val="08131A"/>
+                </a:solidFill>
+                <a:effectLst/>
+                <a:latin typeface="-apple-system"/>
+              </a:rPr>
+              <a:t>h','u','g</a:t>
+            </a:r>
+            <a:r>
+              <a:rPr lang="en" altLang="ja-JP" sz="3600" i="0" dirty="0">
+                <a:solidFill>
+                  <a:srgbClr val="08131A"/>
+                </a:solidFill>
+                <a:effectLst/>
+                <a:latin typeface="-apple-system"/>
+              </a:rPr>
+              <a:t>', 10)</a:t>
+            </a:r>
+          </a:p>
+          <a:p>
+            <a:pPr marL="0" marR="0" indent="0" algn="ctr" defTabSz="1828800" rtl="0" fontAlgn="auto" latinLnBrk="0" hangingPunct="0">
+              <a:lnSpc>
+                <a:spcPct val="100000"/>
+              </a:lnSpc>
+              <a:spcBef>
+                <a:spcPts val="0"/>
+              </a:spcBef>
+              <a:spcAft>
+                <a:spcPts val="0"/>
+              </a:spcAft>
+              <a:buClrTx/>
+              <a:buSzTx/>
+              <a:buFontTx/>
+              <a:buNone/>
+              <a:tabLst/>
+            </a:pPr>
+            <a:r>
+              <a:rPr lang="en" altLang="ja-JP" sz="3600" i="0" dirty="0">
+                <a:solidFill>
+                  <a:srgbClr val="08131A"/>
+                </a:solidFill>
+                <a:effectLst/>
+                <a:latin typeface="-apple-system"/>
+              </a:rPr>
+              <a:t> ('</a:t>
+            </a:r>
+            <a:r>
+              <a:rPr lang="en" altLang="ja-JP" sz="3600" i="0" dirty="0" err="1">
+                <a:solidFill>
+                  <a:srgbClr val="08131A"/>
+                </a:solidFill>
+                <a:effectLst/>
+                <a:latin typeface="-apple-system"/>
+              </a:rPr>
+              <a:t>p','u','g</a:t>
+            </a:r>
+            <a:r>
+              <a:rPr lang="en" altLang="ja-JP" sz="3600" i="0" dirty="0">
+                <a:solidFill>
+                  <a:srgbClr val="08131A"/>
+                </a:solidFill>
+                <a:effectLst/>
+                <a:latin typeface="-apple-system"/>
+              </a:rPr>
+              <a:t>', 5)</a:t>
+            </a:r>
+          </a:p>
+          <a:p>
+            <a:pPr marL="0" marR="0" indent="0" algn="ctr" defTabSz="1828800" rtl="0" fontAlgn="auto" latinLnBrk="0" hangingPunct="0">
+              <a:lnSpc>
+                <a:spcPct val="100000"/>
+              </a:lnSpc>
+              <a:spcBef>
+                <a:spcPts val="0"/>
+              </a:spcBef>
+              <a:spcAft>
+                <a:spcPts val="0"/>
+              </a:spcAft>
+              <a:buClrTx/>
+              <a:buSzTx/>
+              <a:buFontTx/>
+              <a:buNone/>
+              <a:tabLst/>
+            </a:pPr>
+            <a:r>
+              <a:rPr lang="en" altLang="ja-JP" sz="3600" i="0" dirty="0">
+                <a:solidFill>
+                  <a:srgbClr val="08131A"/>
+                </a:solidFill>
+                <a:effectLst/>
+                <a:latin typeface="-apple-system"/>
+              </a:rPr>
+              <a:t> ('</a:t>
+            </a:r>
+            <a:r>
+              <a:rPr lang="en" altLang="ja-JP" sz="3600" i="0" dirty="0" err="1">
+                <a:solidFill>
+                  <a:srgbClr val="08131A"/>
+                </a:solidFill>
+                <a:effectLst/>
+                <a:latin typeface="-apple-system"/>
+              </a:rPr>
+              <a:t>p','u','n</a:t>
+            </a:r>
+            <a:r>
+              <a:rPr lang="en" altLang="ja-JP" sz="3600" i="0" dirty="0">
+                <a:solidFill>
+                  <a:srgbClr val="08131A"/>
+                </a:solidFill>
+                <a:effectLst/>
+                <a:latin typeface="-apple-system"/>
+              </a:rPr>
+              <a:t>', 12)</a:t>
+            </a:r>
+          </a:p>
+          <a:p>
+            <a:pPr marL="0" marR="0" indent="0" algn="ctr" defTabSz="1828800" rtl="0" fontAlgn="auto" latinLnBrk="0" hangingPunct="0">
+              <a:lnSpc>
+                <a:spcPct val="100000"/>
+              </a:lnSpc>
+              <a:spcBef>
+                <a:spcPts val="0"/>
+              </a:spcBef>
+              <a:spcAft>
+                <a:spcPts val="0"/>
+              </a:spcAft>
+              <a:buClrTx/>
+              <a:buSzTx/>
+              <a:buFontTx/>
+              <a:buNone/>
+              <a:tabLst/>
+            </a:pPr>
+            <a:r>
+              <a:rPr lang="en" altLang="ja-JP" sz="3600" i="0" dirty="0">
+                <a:solidFill>
+                  <a:srgbClr val="08131A"/>
+                </a:solidFill>
+                <a:effectLst/>
+                <a:latin typeface="-apple-system"/>
+              </a:rPr>
+              <a:t> ('</a:t>
+            </a:r>
+            <a:r>
+              <a:rPr lang="en" altLang="ja-JP" sz="3600" i="0" dirty="0" err="1">
+                <a:solidFill>
+                  <a:srgbClr val="08131A"/>
+                </a:solidFill>
+                <a:effectLst/>
+                <a:latin typeface="-apple-system"/>
+              </a:rPr>
+              <a:t>b','u','n</a:t>
+            </a:r>
+            <a:r>
+              <a:rPr lang="en" altLang="ja-JP" sz="3600" i="0" dirty="0">
+                <a:solidFill>
+                  <a:srgbClr val="08131A"/>
+                </a:solidFill>
+                <a:effectLst/>
+                <a:latin typeface="-apple-system"/>
+              </a:rPr>
+              <a:t>', 4)</a:t>
+            </a:r>
+          </a:p>
+          <a:p>
+            <a:pPr marL="0" marR="0" indent="0" algn="ctr" defTabSz="1828800" rtl="0" fontAlgn="auto" latinLnBrk="0" hangingPunct="0">
+              <a:lnSpc>
+                <a:spcPct val="100000"/>
+              </a:lnSpc>
+              <a:spcBef>
+                <a:spcPts val="0"/>
+              </a:spcBef>
+              <a:spcAft>
+                <a:spcPts val="0"/>
+              </a:spcAft>
+              <a:buClrTx/>
+              <a:buSzTx/>
+              <a:buFontTx/>
+              <a:buNone/>
+              <a:tabLst/>
+            </a:pPr>
+            <a:r>
+              <a:rPr lang="en" altLang="ja-JP" sz="3600" i="0" dirty="0">
+                <a:solidFill>
+                  <a:srgbClr val="08131A"/>
+                </a:solidFill>
+                <a:effectLst/>
+                <a:latin typeface="-apple-system"/>
+              </a:rPr>
+              <a:t> ('</a:t>
+            </a:r>
+            <a:r>
+              <a:rPr lang="en" altLang="ja-JP" sz="3600" i="0" dirty="0" err="1">
+                <a:solidFill>
+                  <a:srgbClr val="08131A"/>
+                </a:solidFill>
+                <a:effectLst/>
+                <a:latin typeface="-apple-system"/>
+              </a:rPr>
+              <a:t>h','u','g','s</a:t>
+            </a:r>
+            <a:r>
+              <a:rPr lang="en" altLang="ja-JP" sz="3600" i="0" dirty="0">
+                <a:solidFill>
+                  <a:srgbClr val="08131A"/>
+                </a:solidFill>
+                <a:effectLst/>
+                <a:latin typeface="-apple-system"/>
+              </a:rPr>
+              <a:t>', 5)</a:t>
+            </a:r>
+            <a:endParaRPr kumimoji="0" lang="ja-JP" altLang="en-US" sz="3600" i="0" u="none" strike="noStrike" cap="none" spc="0" normalizeH="0" baseline="0">
+              <a:ln>
+                <a:noFill/>
+              </a:ln>
+              <a:solidFill>
+                <a:srgbClr val="000000"/>
+              </a:solidFill>
+              <a:effectLst/>
+              <a:uFillTx/>
+              <a:latin typeface="+mn-lt"/>
+              <a:ea typeface="+mn-ea"/>
+              <a:cs typeface="+mn-cs"/>
+              <a:sym typeface="Arial"/>
+            </a:endParaRPr>
+          </a:p>
+        </p:txBody>
+      </p:sp>
+      <p:sp>
+        <p:nvSpPr>
+          <p:cNvPr id="5" name="角丸四角形 4">
+            <a:extLst>
+              <a:ext uri="{FF2B5EF4-FFF2-40B4-BE49-F238E27FC236}">
+                <a16:creationId xmlns:a16="http://schemas.microsoft.com/office/drawing/2014/main" id="{62C4EAEE-AF5E-79D1-B117-D05D27716063}"/>
+              </a:ext>
+            </a:extLst>
+          </p:cNvPr>
+          <p:cNvSpPr/>
+          <p:nvPr/>
+        </p:nvSpPr>
+        <p:spPr>
+          <a:xfrm>
+            <a:off x="9112817" y="11474094"/>
+            <a:ext cx="5229225" cy="681033"/>
+          </a:xfrm>
+          <a:prstGeom prst="roundRect">
+            <a:avLst/>
+          </a:prstGeom>
+          <a:solidFill>
+            <a:srgbClr val="FFFFFF"/>
+          </a:solidFill>
+          <a:ln w="38100" cap="flat">
+            <a:solidFill>
+              <a:schemeClr val="accent1"/>
+            </a:solidFill>
+            <a:prstDash val="solid"/>
+            <a:round/>
+          </a:ln>
+          <a:effectLst/>
+          <a:sp3d/>
+        </p:spPr>
+        <p:style>
+          <a:lnRef idx="0">
+            <a:scrgbClr r="0" g="0" b="0"/>
+          </a:lnRef>
+          <a:fillRef idx="0">
+            <a:scrgbClr r="0" g="0" b="0"/>
+          </a:fillRef>
+          <a:effectRef idx="0">
+            <a:scrgbClr r="0" g="0" b="0"/>
+          </a:effectRef>
+          <a:fontRef idx="none"/>
+        </p:style>
+        <p:txBody>
+          <a:bodyPr rot="0" spcFirstLastPara="1" vertOverflow="overflow" horzOverflow="overflow" vert="horz" wrap="square" lIns="91438" tIns="91438" rIns="91438" bIns="91438" numCol="1" spcCol="38100" rtlCol="0" anchor="t">
+            <a:spAutoFit/>
+          </a:bodyPr>
+          <a:lstStyle/>
+          <a:p>
+            <a:r>
+              <a:rPr kumimoji="0" lang="ja-JP" altLang="en-US" sz="2800" b="0" i="0" u="none" strike="noStrike" cap="none" spc="0" normalizeH="0" baseline="0">
+                <a:ln>
+                  <a:noFill/>
+                </a:ln>
+                <a:solidFill>
+                  <a:srgbClr val="000000"/>
+                </a:solidFill>
+                <a:effectLst/>
+                <a:uFillTx/>
+                <a:latin typeface="+mn-lt"/>
+                <a:ea typeface="+mn-ea"/>
+                <a:cs typeface="+mn-cs"/>
+                <a:sym typeface="Arial"/>
+              </a:rPr>
+              <a:t>辞書：</a:t>
+            </a:r>
+            <a:r>
+              <a:rPr lang="en-US" altLang="ja-JP" sz="2800" dirty="0"/>
+              <a:t>['b', 'g', 'h', 'n', 'p', 's', 'u']</a:t>
+            </a:r>
+            <a:endParaRPr kumimoji="0" lang="ja-JP" altLang="en-US" sz="2800" b="0" i="0" u="none" strike="noStrike" cap="none" spc="0" normalizeH="0" baseline="0">
+              <a:ln>
+                <a:noFill/>
+              </a:ln>
+              <a:solidFill>
+                <a:srgbClr val="000000"/>
+              </a:solidFill>
+              <a:effectLst/>
+              <a:uFillTx/>
+              <a:latin typeface="+mn-lt"/>
+              <a:ea typeface="+mn-ea"/>
+              <a:cs typeface="+mn-cs"/>
+              <a:sym typeface="Arial"/>
+            </a:endParaRPr>
+          </a:p>
+        </p:txBody>
+      </p:sp>
+      <p:sp>
+        <p:nvSpPr>
+          <p:cNvPr id="6" name="角丸四角形 5">
+            <a:extLst>
+              <a:ext uri="{FF2B5EF4-FFF2-40B4-BE49-F238E27FC236}">
+                <a16:creationId xmlns:a16="http://schemas.microsoft.com/office/drawing/2014/main" id="{AAA96DB3-F04E-D294-8F74-D96841BC02EF}"/>
+              </a:ext>
+            </a:extLst>
+          </p:cNvPr>
+          <p:cNvSpPr/>
+          <p:nvPr/>
+        </p:nvSpPr>
+        <p:spPr>
+          <a:xfrm>
+            <a:off x="15652184" y="7851262"/>
+            <a:ext cx="3862388" cy="3268976"/>
+          </a:xfrm>
+          <a:prstGeom prst="roundRect">
+            <a:avLst/>
+          </a:prstGeom>
+          <a:solidFill>
+            <a:srgbClr val="FFFFFF"/>
+          </a:solidFill>
+          <a:ln w="38100" cap="flat">
+            <a:solidFill>
+              <a:srgbClr val="F89900"/>
+            </a:solidFill>
+            <a:prstDash val="solid"/>
+            <a:round/>
+          </a:ln>
+          <a:effectLst/>
+          <a:sp3d/>
+        </p:spPr>
+        <p:style>
+          <a:lnRef idx="0">
+            <a:scrgbClr r="0" g="0" b="0"/>
+          </a:lnRef>
+          <a:fillRef idx="0">
+            <a:scrgbClr r="0" g="0" b="0"/>
+          </a:fillRef>
+          <a:effectRef idx="0">
+            <a:scrgbClr r="0" g="0" b="0"/>
+          </a:effectRef>
+          <a:fontRef idx="none"/>
+        </p:style>
+        <p:txBody>
+          <a:bodyPr rot="0" spcFirstLastPara="1" vertOverflow="overflow" horzOverflow="overflow" vert="horz" wrap="square" lIns="91438" tIns="91438" rIns="91438" bIns="91438" numCol="1" spcCol="38100" rtlCol="0" anchor="ctr">
+            <a:spAutoFit/>
+          </a:bodyPr>
+          <a:lstStyle/>
+          <a:p>
+            <a:pPr marL="0" marR="0" indent="0" algn="ctr" defTabSz="1828800" rtl="0" fontAlgn="auto" latinLnBrk="0" hangingPunct="0">
+              <a:lnSpc>
+                <a:spcPct val="100000"/>
+              </a:lnSpc>
+              <a:spcBef>
+                <a:spcPts val="0"/>
+              </a:spcBef>
+              <a:spcAft>
+                <a:spcPts val="0"/>
+              </a:spcAft>
+              <a:buClrTx/>
+              <a:buSzTx/>
+              <a:buFontTx/>
+              <a:buNone/>
+              <a:tabLst/>
+            </a:pPr>
+            <a:r>
+              <a:rPr lang="en" altLang="ja-JP" sz="3600" i="0" dirty="0">
+                <a:solidFill>
+                  <a:srgbClr val="08131A"/>
+                </a:solidFill>
+                <a:effectLst/>
+                <a:latin typeface="-apple-system"/>
+              </a:rPr>
+              <a:t>('</a:t>
+            </a:r>
+            <a:r>
+              <a:rPr lang="en" altLang="ja-JP" sz="3600" i="0" dirty="0" err="1">
+                <a:solidFill>
+                  <a:srgbClr val="08131A"/>
+                </a:solidFill>
+                <a:effectLst/>
+                <a:latin typeface="-apple-system"/>
+              </a:rPr>
+              <a:t>h','ug</a:t>
+            </a:r>
+            <a:r>
+              <a:rPr lang="en" altLang="ja-JP" sz="3600" i="0" dirty="0">
+                <a:solidFill>
+                  <a:srgbClr val="08131A"/>
+                </a:solidFill>
+                <a:effectLst/>
+                <a:latin typeface="-apple-system"/>
+              </a:rPr>
+              <a:t>', 10)</a:t>
+            </a:r>
+          </a:p>
+          <a:p>
+            <a:pPr marL="0" marR="0" indent="0" algn="ctr" defTabSz="1828800" rtl="0" fontAlgn="auto" latinLnBrk="0" hangingPunct="0">
+              <a:lnSpc>
+                <a:spcPct val="100000"/>
+              </a:lnSpc>
+              <a:spcBef>
+                <a:spcPts val="0"/>
+              </a:spcBef>
+              <a:spcAft>
+                <a:spcPts val="0"/>
+              </a:spcAft>
+              <a:buClrTx/>
+              <a:buSzTx/>
+              <a:buFontTx/>
+              <a:buNone/>
+              <a:tabLst/>
+            </a:pPr>
+            <a:r>
+              <a:rPr lang="en" altLang="ja-JP" sz="3600" i="0" dirty="0">
+                <a:solidFill>
+                  <a:srgbClr val="08131A"/>
+                </a:solidFill>
+                <a:effectLst/>
+                <a:latin typeface="-apple-system"/>
+              </a:rPr>
+              <a:t> ('</a:t>
+            </a:r>
+            <a:r>
+              <a:rPr lang="en" altLang="ja-JP" sz="3600" i="0" dirty="0" err="1">
+                <a:solidFill>
+                  <a:srgbClr val="08131A"/>
+                </a:solidFill>
+                <a:effectLst/>
+                <a:latin typeface="-apple-system"/>
+              </a:rPr>
+              <a:t>p','ug</a:t>
+            </a:r>
+            <a:r>
+              <a:rPr lang="en" altLang="ja-JP" sz="3600" i="0" dirty="0">
+                <a:solidFill>
+                  <a:srgbClr val="08131A"/>
+                </a:solidFill>
+                <a:effectLst/>
+                <a:latin typeface="-apple-system"/>
+              </a:rPr>
+              <a:t>', 5)</a:t>
+            </a:r>
+          </a:p>
+          <a:p>
+            <a:pPr marL="0" marR="0" indent="0" algn="ctr" defTabSz="1828800" rtl="0" fontAlgn="auto" latinLnBrk="0" hangingPunct="0">
+              <a:lnSpc>
+                <a:spcPct val="100000"/>
+              </a:lnSpc>
+              <a:spcBef>
+                <a:spcPts val="0"/>
+              </a:spcBef>
+              <a:spcAft>
+                <a:spcPts val="0"/>
+              </a:spcAft>
+              <a:buClrTx/>
+              <a:buSzTx/>
+              <a:buFontTx/>
+              <a:buNone/>
+              <a:tabLst/>
+            </a:pPr>
+            <a:r>
+              <a:rPr lang="en" altLang="ja-JP" sz="3600" i="0" dirty="0">
+                <a:solidFill>
+                  <a:srgbClr val="08131A"/>
+                </a:solidFill>
+                <a:effectLst/>
+                <a:latin typeface="-apple-system"/>
+              </a:rPr>
+              <a:t> ('</a:t>
+            </a:r>
+            <a:r>
+              <a:rPr lang="en" altLang="ja-JP" sz="3600" i="0" dirty="0" err="1">
+                <a:solidFill>
+                  <a:srgbClr val="08131A"/>
+                </a:solidFill>
+                <a:effectLst/>
+                <a:latin typeface="-apple-system"/>
+              </a:rPr>
+              <a:t>p','u','n</a:t>
+            </a:r>
+            <a:r>
+              <a:rPr lang="en" altLang="ja-JP" sz="3600" i="0" dirty="0">
+                <a:solidFill>
+                  <a:srgbClr val="08131A"/>
+                </a:solidFill>
+                <a:effectLst/>
+                <a:latin typeface="-apple-system"/>
+              </a:rPr>
+              <a:t>', 12)</a:t>
+            </a:r>
+          </a:p>
+          <a:p>
+            <a:pPr marL="0" marR="0" indent="0" algn="ctr" defTabSz="1828800" rtl="0" fontAlgn="auto" latinLnBrk="0" hangingPunct="0">
+              <a:lnSpc>
+                <a:spcPct val="100000"/>
+              </a:lnSpc>
+              <a:spcBef>
+                <a:spcPts val="0"/>
+              </a:spcBef>
+              <a:spcAft>
+                <a:spcPts val="0"/>
+              </a:spcAft>
+              <a:buClrTx/>
+              <a:buSzTx/>
+              <a:buFontTx/>
+              <a:buNone/>
+              <a:tabLst/>
+            </a:pPr>
+            <a:r>
+              <a:rPr lang="en" altLang="ja-JP" sz="3600" i="0" dirty="0">
+                <a:solidFill>
+                  <a:srgbClr val="08131A"/>
+                </a:solidFill>
+                <a:effectLst/>
+                <a:latin typeface="-apple-system"/>
+              </a:rPr>
+              <a:t> ('</a:t>
+            </a:r>
+            <a:r>
+              <a:rPr lang="en" altLang="ja-JP" sz="3600" i="0" dirty="0" err="1">
+                <a:solidFill>
+                  <a:srgbClr val="08131A"/>
+                </a:solidFill>
+                <a:effectLst/>
+                <a:latin typeface="-apple-system"/>
+              </a:rPr>
+              <a:t>b','u','n</a:t>
+            </a:r>
+            <a:r>
+              <a:rPr lang="en" altLang="ja-JP" sz="3600" i="0" dirty="0">
+                <a:solidFill>
+                  <a:srgbClr val="08131A"/>
+                </a:solidFill>
+                <a:effectLst/>
+                <a:latin typeface="-apple-system"/>
+              </a:rPr>
+              <a:t>', 4)</a:t>
+            </a:r>
+          </a:p>
+          <a:p>
+            <a:pPr marL="0" marR="0" indent="0" algn="ctr" defTabSz="1828800" rtl="0" fontAlgn="auto" latinLnBrk="0" hangingPunct="0">
+              <a:lnSpc>
+                <a:spcPct val="100000"/>
+              </a:lnSpc>
+              <a:spcBef>
+                <a:spcPts val="0"/>
+              </a:spcBef>
+              <a:spcAft>
+                <a:spcPts val="0"/>
+              </a:spcAft>
+              <a:buClrTx/>
+              <a:buSzTx/>
+              <a:buFontTx/>
+              <a:buNone/>
+              <a:tabLst/>
+            </a:pPr>
+            <a:r>
+              <a:rPr lang="en" altLang="ja-JP" sz="3600" i="0" dirty="0">
+                <a:solidFill>
+                  <a:srgbClr val="08131A"/>
+                </a:solidFill>
+                <a:effectLst/>
+                <a:latin typeface="-apple-system"/>
+              </a:rPr>
+              <a:t> ('</a:t>
+            </a:r>
+            <a:r>
+              <a:rPr lang="en" altLang="ja-JP" sz="3600" i="0" dirty="0" err="1">
+                <a:solidFill>
+                  <a:srgbClr val="08131A"/>
+                </a:solidFill>
+                <a:effectLst/>
+                <a:latin typeface="-apple-system"/>
+              </a:rPr>
+              <a:t>h','ug','s</a:t>
+            </a:r>
+            <a:r>
+              <a:rPr lang="en" altLang="ja-JP" sz="3600" i="0" dirty="0">
+                <a:solidFill>
+                  <a:srgbClr val="08131A"/>
+                </a:solidFill>
+                <a:effectLst/>
+                <a:latin typeface="-apple-system"/>
+              </a:rPr>
+              <a:t>', 5)</a:t>
+            </a:r>
+            <a:endParaRPr kumimoji="0" lang="ja-JP" altLang="en-US" sz="3600" i="0" u="none" strike="noStrike" cap="none" spc="0" normalizeH="0" baseline="0">
+              <a:ln>
+                <a:noFill/>
+              </a:ln>
+              <a:solidFill>
+                <a:srgbClr val="000000"/>
+              </a:solidFill>
+              <a:effectLst/>
+              <a:uFillTx/>
+              <a:latin typeface="+mn-lt"/>
+              <a:ea typeface="+mn-ea"/>
+              <a:cs typeface="+mn-cs"/>
+              <a:sym typeface="Arial"/>
+            </a:endParaRPr>
+          </a:p>
+        </p:txBody>
+      </p:sp>
+      <p:sp>
+        <p:nvSpPr>
+          <p:cNvPr id="7" name="角丸四角形 6">
+            <a:extLst>
+              <a:ext uri="{FF2B5EF4-FFF2-40B4-BE49-F238E27FC236}">
+                <a16:creationId xmlns:a16="http://schemas.microsoft.com/office/drawing/2014/main" id="{B218B7BB-1585-B54F-BF6F-58C8C6E1A8D6}"/>
+              </a:ext>
+            </a:extLst>
+          </p:cNvPr>
+          <p:cNvSpPr/>
+          <p:nvPr/>
+        </p:nvSpPr>
+        <p:spPr>
+          <a:xfrm>
+            <a:off x="15025689" y="11474094"/>
+            <a:ext cx="6076949" cy="681033"/>
+          </a:xfrm>
+          <a:prstGeom prst="roundRect">
+            <a:avLst/>
+          </a:prstGeom>
+          <a:solidFill>
+            <a:srgbClr val="FFFFFF"/>
+          </a:solidFill>
+          <a:ln w="38100" cap="flat">
+            <a:solidFill>
+              <a:schemeClr val="accent1"/>
+            </a:solidFill>
+            <a:prstDash val="solid"/>
+            <a:round/>
+          </a:ln>
+          <a:effectLst/>
+          <a:sp3d/>
+        </p:spPr>
+        <p:style>
+          <a:lnRef idx="0">
+            <a:scrgbClr r="0" g="0" b="0"/>
+          </a:lnRef>
+          <a:fillRef idx="0">
+            <a:scrgbClr r="0" g="0" b="0"/>
+          </a:fillRef>
+          <a:effectRef idx="0">
+            <a:scrgbClr r="0" g="0" b="0"/>
+          </a:effectRef>
+          <a:fontRef idx="none"/>
+        </p:style>
+        <p:txBody>
+          <a:bodyPr rot="0" spcFirstLastPara="1" vertOverflow="overflow" horzOverflow="overflow" vert="horz" wrap="square" lIns="91438" tIns="91438" rIns="91438" bIns="91438" numCol="1" spcCol="38100" rtlCol="0" anchor="t">
+            <a:spAutoFit/>
+          </a:bodyPr>
+          <a:lstStyle/>
+          <a:p>
+            <a:r>
+              <a:rPr kumimoji="0" lang="ja-JP" altLang="en-US" sz="2800" b="0" i="0" u="none" strike="noStrike" cap="none" spc="0" normalizeH="0" baseline="0">
+                <a:ln>
+                  <a:noFill/>
+                </a:ln>
+                <a:solidFill>
+                  <a:srgbClr val="000000"/>
+                </a:solidFill>
+                <a:effectLst/>
+                <a:uFillTx/>
+                <a:latin typeface="+mn-lt"/>
+                <a:ea typeface="+mn-ea"/>
+                <a:cs typeface="+mn-cs"/>
+                <a:sym typeface="Arial"/>
+              </a:rPr>
+              <a:t>辞書：</a:t>
+            </a:r>
+            <a:r>
+              <a:rPr lang="en-US" altLang="ja-JP" sz="2800" dirty="0"/>
+              <a:t>['b', 'g', 'h', 'n', 'p', 's', 'u’, ‘ug’]</a:t>
+            </a:r>
+            <a:endParaRPr kumimoji="0" lang="ja-JP" altLang="en-US" sz="2800" b="0" i="0" u="none" strike="noStrike" cap="none" spc="0" normalizeH="0" baseline="0">
+              <a:ln>
+                <a:noFill/>
+              </a:ln>
+              <a:solidFill>
+                <a:srgbClr val="000000"/>
+              </a:solidFill>
+              <a:effectLst/>
+              <a:uFillTx/>
+              <a:latin typeface="+mn-lt"/>
+              <a:ea typeface="+mn-ea"/>
+              <a:cs typeface="+mn-cs"/>
+              <a:sym typeface="Arial"/>
+            </a:endParaRPr>
+          </a:p>
+        </p:txBody>
+      </p:sp>
+      <p:sp>
+        <p:nvSpPr>
+          <p:cNvPr id="8" name="右矢印 7">
+            <a:extLst>
+              <a:ext uri="{FF2B5EF4-FFF2-40B4-BE49-F238E27FC236}">
+                <a16:creationId xmlns:a16="http://schemas.microsoft.com/office/drawing/2014/main" id="{CDDF0906-E1E2-B7D4-C262-74D89B2E5757}"/>
+              </a:ext>
+            </a:extLst>
+          </p:cNvPr>
+          <p:cNvSpPr/>
+          <p:nvPr/>
+        </p:nvSpPr>
+        <p:spPr>
+          <a:xfrm>
+            <a:off x="8489420" y="8836242"/>
+            <a:ext cx="575277" cy="1299013"/>
+          </a:xfrm>
+          <a:prstGeom prst="rightArrow">
+            <a:avLst/>
+          </a:prstGeom>
+          <a:solidFill>
+            <a:schemeClr val="tx1">
+              <a:lumMod val="75000"/>
+              <a:lumOff val="25000"/>
+            </a:schemeClr>
+          </a:solidFill>
+          <a:ln w="25400" cap="flat">
+            <a:noFill/>
+            <a:prstDash val="solid"/>
+            <a:round/>
+          </a:ln>
+          <a:effectLst/>
+          <a:sp3d/>
+        </p:spPr>
+        <p:style>
+          <a:lnRef idx="0">
+            <a:scrgbClr r="0" g="0" b="0"/>
+          </a:lnRef>
+          <a:fillRef idx="0">
+            <a:scrgbClr r="0" g="0" b="0"/>
+          </a:fillRef>
+          <a:effectRef idx="0">
+            <a:scrgbClr r="0" g="0" b="0"/>
+          </a:effectRef>
+          <a:fontRef idx="none"/>
+        </p:style>
+        <p:txBody>
+          <a:bodyPr rot="0" spcFirstLastPara="1" vertOverflow="overflow" horzOverflow="overflow" vert="horz" wrap="square" lIns="91438" tIns="91438" rIns="91438" bIns="91438" numCol="1" spcCol="38100" rtlCol="0" anchor="t">
+            <a:spAutoFit/>
+          </a:bodyPr>
+          <a:lstStyle/>
+          <a:p>
+            <a:pPr marL="0" marR="0" indent="0" algn="l" defTabSz="1828800" rtl="0" fontAlgn="auto" latinLnBrk="0" hangingPunct="0">
+              <a:lnSpc>
+                <a:spcPct val="100000"/>
+              </a:lnSpc>
+              <a:spcBef>
+                <a:spcPts val="0"/>
+              </a:spcBef>
+              <a:spcAft>
+                <a:spcPts val="0"/>
+              </a:spcAft>
+              <a:buClrTx/>
+              <a:buSzTx/>
+              <a:buFontTx/>
+              <a:buNone/>
+              <a:tabLst/>
+            </a:pPr>
+            <a:endParaRPr kumimoji="0" lang="ja-JP" altLang="en-US" sz="2400" b="0" i="0" u="none" strike="noStrike" cap="none" spc="0" normalizeH="0" baseline="0">
+              <a:ln>
+                <a:noFill/>
+              </a:ln>
+              <a:solidFill>
+                <a:srgbClr val="000000"/>
+              </a:solidFill>
+              <a:effectLst/>
+              <a:uFillTx/>
+              <a:latin typeface="+mn-lt"/>
+              <a:ea typeface="+mn-ea"/>
+              <a:cs typeface="+mn-cs"/>
+              <a:sym typeface="Arial"/>
+            </a:endParaRPr>
+          </a:p>
+        </p:txBody>
+      </p:sp>
+      <p:sp>
+        <p:nvSpPr>
+          <p:cNvPr id="10" name="右矢印 9">
+            <a:extLst>
+              <a:ext uri="{FF2B5EF4-FFF2-40B4-BE49-F238E27FC236}">
+                <a16:creationId xmlns:a16="http://schemas.microsoft.com/office/drawing/2014/main" id="{08685A1A-5861-3012-7885-510503FF2373}"/>
+              </a:ext>
+            </a:extLst>
+          </p:cNvPr>
+          <p:cNvSpPr/>
+          <p:nvPr/>
+        </p:nvSpPr>
+        <p:spPr>
+          <a:xfrm>
+            <a:off x="14339303" y="8836242"/>
+            <a:ext cx="575277" cy="1299013"/>
+          </a:xfrm>
+          <a:prstGeom prst="rightArrow">
+            <a:avLst/>
+          </a:prstGeom>
+          <a:solidFill>
+            <a:schemeClr val="tx1">
+              <a:lumMod val="75000"/>
+              <a:lumOff val="25000"/>
+            </a:schemeClr>
+          </a:solidFill>
+          <a:ln w="25400" cap="flat">
+            <a:noFill/>
+            <a:prstDash val="solid"/>
+            <a:round/>
+          </a:ln>
+          <a:effectLst/>
+          <a:sp3d/>
+        </p:spPr>
+        <p:style>
+          <a:lnRef idx="0">
+            <a:scrgbClr r="0" g="0" b="0"/>
+          </a:lnRef>
+          <a:fillRef idx="0">
+            <a:scrgbClr r="0" g="0" b="0"/>
+          </a:fillRef>
+          <a:effectRef idx="0">
+            <a:scrgbClr r="0" g="0" b="0"/>
+          </a:effectRef>
+          <a:fontRef idx="none"/>
+        </p:style>
+        <p:txBody>
+          <a:bodyPr rot="0" spcFirstLastPara="1" vertOverflow="overflow" horzOverflow="overflow" vert="horz" wrap="square" lIns="91438" tIns="91438" rIns="91438" bIns="91438" numCol="1" spcCol="38100" rtlCol="0" anchor="t">
+            <a:spAutoFit/>
+          </a:bodyPr>
+          <a:lstStyle/>
+          <a:p>
+            <a:pPr marL="0" marR="0" indent="0" algn="l" defTabSz="1828800" rtl="0" fontAlgn="auto" latinLnBrk="0" hangingPunct="0">
+              <a:lnSpc>
+                <a:spcPct val="100000"/>
+              </a:lnSpc>
+              <a:spcBef>
+                <a:spcPts val="0"/>
+              </a:spcBef>
+              <a:spcAft>
+                <a:spcPts val="0"/>
+              </a:spcAft>
+              <a:buClrTx/>
+              <a:buSzTx/>
+              <a:buFontTx/>
+              <a:buNone/>
+              <a:tabLst/>
+            </a:pPr>
+            <a:endParaRPr kumimoji="0" lang="ja-JP" altLang="en-US" sz="2400" b="0" i="0" u="none" strike="noStrike" cap="none" spc="0" normalizeH="0" baseline="0">
+              <a:ln>
+                <a:noFill/>
+              </a:ln>
+              <a:solidFill>
+                <a:srgbClr val="000000"/>
+              </a:solidFill>
+              <a:effectLst/>
+              <a:uFillTx/>
+              <a:latin typeface="+mn-lt"/>
+              <a:ea typeface="+mn-ea"/>
+              <a:cs typeface="+mn-cs"/>
+              <a:sym typeface="Arial"/>
+            </a:endParaRPr>
+          </a:p>
+        </p:txBody>
+      </p:sp>
+    </p:spTree>
+    <p:extLst>
+      <p:ext uri="{BB962C8B-B14F-4D97-AF65-F5344CB8AC3E}">
+        <p14:creationId xmlns:p14="http://schemas.microsoft.com/office/powerpoint/2010/main" val="3120073797"/>
       </p:ext>
     </p:extLst>
   </p:cSld>
